--- a/图片/新建 Microsoft PowerPoint 演示文稿.pptx
+++ b/图片/新建 Microsoft PowerPoint 演示文稿.pptx
@@ -34,8 +34,11 @@
     <p:sldId id="282" r:id="rId28"/>
     <p:sldId id="283" r:id="rId29"/>
     <p:sldId id="284" r:id="rId30"/>
-    <p:sldId id="285" r:id="rId31"/>
-    <p:sldId id="286" r:id="rId32"/>
+    <p:sldId id="287" r:id="rId31"/>
+    <p:sldId id="285" r:id="rId32"/>
+    <p:sldId id="286" r:id="rId33"/>
+    <p:sldId id="288" r:id="rId34"/>
+    <p:sldId id="289" r:id="rId35"/>
   </p:sldIdLst>
   <p:sldSz cx="9144000" cy="5143500" type="screen16x9"/>
   <p:notesSz cx="6858000" cy="9144000"/>
@@ -134,6 +137,22 @@
       </a:defRPr>
     </a:lvl9pPr>
   </p:defaultTextStyle>
+  <p:extLst>
+    <p:ext uri="{EFAFB233-063F-42B5-8137-9DF3F51BA10A}">
+      <p15:sldGuideLst xmlns:p15="http://schemas.microsoft.com/office/powerpoint/2012/main">
+        <p15:guide id="1" orient="horz" pos="1620">
+          <p15:clr>
+            <a:srgbClr val="A4A3A4"/>
+          </p15:clr>
+        </p15:guide>
+        <p15:guide id="2" pos="2880">
+          <p15:clr>
+            <a:srgbClr val="A4A3A4"/>
+          </p15:clr>
+        </p15:guide>
+      </p15:sldGuideLst>
+    </p:ext>
+  </p:extLst>
 </p:presentation>
 </file>
 
@@ -175,10 +194,9 @@
           <a:lstStyle/>
           <a:p>
             <a:r>
-              <a:rPr lang="zh-CN" altLang="en-US" smtClean="0"/>
+              <a:rPr lang="zh-CN" altLang="en-US"/>
               <a:t>单击此处编辑母版标题样式</a:t>
             </a:r>
-            <a:endParaRPr lang="zh-CN" altLang="en-US"/>
           </a:p>
         </p:txBody>
       </p:sp>
@@ -294,10 +312,9 @@
           </a:lstStyle>
           <a:p>
             <a:r>
-              <a:rPr lang="zh-CN" altLang="en-US" smtClean="0"/>
+              <a:rPr lang="zh-CN" altLang="en-US"/>
               <a:t>单击此处编辑母版副标题样式</a:t>
             </a:r>
-            <a:endParaRPr lang="zh-CN" altLang="en-US"/>
           </a:p>
         </p:txBody>
       </p:sp>
@@ -318,7 +335,7 @@
           <a:p>
             <a:fld id="{530820CF-B880-4189-942D-D702A7CBA730}" type="datetimeFigureOut">
               <a:rPr lang="zh-CN" altLang="en-US" smtClean="0"/>
-              <a:t>2018-03-18</a:t>
+              <a:t>2018/3/18</a:t>
             </a:fld>
             <a:endParaRPr lang="zh-CN" altLang="en-US"/>
           </a:p>
@@ -407,10 +424,9 @@
           <a:lstStyle/>
           <a:p>
             <a:r>
-              <a:rPr lang="zh-CN" altLang="en-US" smtClean="0"/>
+              <a:rPr lang="zh-CN" altLang="en-US"/>
               <a:t>单击此处编辑母版标题样式</a:t>
             </a:r>
-            <a:endParaRPr lang="zh-CN" altLang="en-US"/>
           </a:p>
         </p:txBody>
       </p:sp>
@@ -431,38 +447,37 @@
           <a:p>
             <a:pPr lvl="0"/>
             <a:r>
-              <a:rPr lang="zh-CN" altLang="en-US" smtClean="0"/>
+              <a:rPr lang="zh-CN" altLang="en-US"/>
               <a:t>单击此处编辑母版文本样式</a:t>
             </a:r>
           </a:p>
           <a:p>
             <a:pPr lvl="1"/>
             <a:r>
-              <a:rPr lang="zh-CN" altLang="en-US" smtClean="0"/>
+              <a:rPr lang="zh-CN" altLang="en-US"/>
               <a:t>第二级</a:t>
             </a:r>
           </a:p>
           <a:p>
             <a:pPr lvl="2"/>
             <a:r>
-              <a:rPr lang="zh-CN" altLang="en-US" smtClean="0"/>
+              <a:rPr lang="zh-CN" altLang="en-US"/>
               <a:t>第三级</a:t>
             </a:r>
           </a:p>
           <a:p>
             <a:pPr lvl="3"/>
             <a:r>
-              <a:rPr lang="zh-CN" altLang="en-US" smtClean="0"/>
+              <a:rPr lang="zh-CN" altLang="en-US"/>
               <a:t>第四级</a:t>
             </a:r>
           </a:p>
           <a:p>
             <a:pPr lvl="4"/>
             <a:r>
-              <a:rPr lang="zh-CN" altLang="en-US" smtClean="0"/>
+              <a:rPr lang="zh-CN" altLang="en-US"/>
               <a:t>第五级</a:t>
             </a:r>
-            <a:endParaRPr lang="zh-CN" altLang="en-US"/>
           </a:p>
         </p:txBody>
       </p:sp>
@@ -483,7 +498,7 @@
           <a:p>
             <a:fld id="{530820CF-B880-4189-942D-D702A7CBA730}" type="datetimeFigureOut">
               <a:rPr lang="zh-CN" altLang="en-US" smtClean="0"/>
-              <a:t>2018-03-18</a:t>
+              <a:t>2018/3/18</a:t>
             </a:fld>
             <a:endParaRPr lang="zh-CN" altLang="en-US"/>
           </a:p>
@@ -577,10 +592,9 @@
           <a:lstStyle/>
           <a:p>
             <a:r>
-              <a:rPr lang="zh-CN" altLang="en-US" smtClean="0"/>
+              <a:rPr lang="zh-CN" altLang="en-US"/>
               <a:t>单击此处编辑母版标题样式</a:t>
             </a:r>
-            <a:endParaRPr lang="zh-CN" altLang="en-US"/>
           </a:p>
         </p:txBody>
       </p:sp>
@@ -606,38 +620,37 @@
           <a:p>
             <a:pPr lvl="0"/>
             <a:r>
-              <a:rPr lang="zh-CN" altLang="en-US" smtClean="0"/>
+              <a:rPr lang="zh-CN" altLang="en-US"/>
               <a:t>单击此处编辑母版文本样式</a:t>
             </a:r>
           </a:p>
           <a:p>
             <a:pPr lvl="1"/>
             <a:r>
-              <a:rPr lang="zh-CN" altLang="en-US" smtClean="0"/>
+              <a:rPr lang="zh-CN" altLang="en-US"/>
               <a:t>第二级</a:t>
             </a:r>
           </a:p>
           <a:p>
             <a:pPr lvl="2"/>
             <a:r>
-              <a:rPr lang="zh-CN" altLang="en-US" smtClean="0"/>
+              <a:rPr lang="zh-CN" altLang="en-US"/>
               <a:t>第三级</a:t>
             </a:r>
           </a:p>
           <a:p>
             <a:pPr lvl="3"/>
             <a:r>
-              <a:rPr lang="zh-CN" altLang="en-US" smtClean="0"/>
+              <a:rPr lang="zh-CN" altLang="en-US"/>
               <a:t>第四级</a:t>
             </a:r>
           </a:p>
           <a:p>
             <a:pPr lvl="4"/>
             <a:r>
-              <a:rPr lang="zh-CN" altLang="en-US" smtClean="0"/>
+              <a:rPr lang="zh-CN" altLang="en-US"/>
               <a:t>第五级</a:t>
             </a:r>
-            <a:endParaRPr lang="zh-CN" altLang="en-US"/>
           </a:p>
         </p:txBody>
       </p:sp>
@@ -658,7 +671,7 @@
           <a:p>
             <a:fld id="{530820CF-B880-4189-942D-D702A7CBA730}" type="datetimeFigureOut">
               <a:rPr lang="zh-CN" altLang="en-US" smtClean="0"/>
-              <a:t>2018-03-18</a:t>
+              <a:t>2018/3/18</a:t>
             </a:fld>
             <a:endParaRPr lang="zh-CN" altLang="en-US"/>
           </a:p>
@@ -747,10 +760,9 @@
           <a:lstStyle/>
           <a:p>
             <a:r>
-              <a:rPr lang="zh-CN" altLang="en-US" smtClean="0"/>
+              <a:rPr lang="zh-CN" altLang="en-US"/>
               <a:t>单击此处编辑母版标题样式</a:t>
             </a:r>
-            <a:endParaRPr lang="zh-CN" altLang="en-US"/>
           </a:p>
         </p:txBody>
       </p:sp>
@@ -771,38 +783,37 @@
           <a:p>
             <a:pPr lvl="0"/>
             <a:r>
-              <a:rPr lang="zh-CN" altLang="en-US" smtClean="0"/>
+              <a:rPr lang="zh-CN" altLang="en-US"/>
               <a:t>单击此处编辑母版文本样式</a:t>
             </a:r>
           </a:p>
           <a:p>
             <a:pPr lvl="1"/>
             <a:r>
-              <a:rPr lang="zh-CN" altLang="en-US" smtClean="0"/>
+              <a:rPr lang="zh-CN" altLang="en-US"/>
               <a:t>第二级</a:t>
             </a:r>
           </a:p>
           <a:p>
             <a:pPr lvl="2"/>
             <a:r>
-              <a:rPr lang="zh-CN" altLang="en-US" smtClean="0"/>
+              <a:rPr lang="zh-CN" altLang="en-US"/>
               <a:t>第三级</a:t>
             </a:r>
           </a:p>
           <a:p>
             <a:pPr lvl="3"/>
             <a:r>
-              <a:rPr lang="zh-CN" altLang="en-US" smtClean="0"/>
+              <a:rPr lang="zh-CN" altLang="en-US"/>
               <a:t>第四级</a:t>
             </a:r>
           </a:p>
           <a:p>
             <a:pPr lvl="4"/>
             <a:r>
-              <a:rPr lang="zh-CN" altLang="en-US" smtClean="0"/>
+              <a:rPr lang="zh-CN" altLang="en-US"/>
               <a:t>第五级</a:t>
             </a:r>
-            <a:endParaRPr lang="zh-CN" altLang="en-US"/>
           </a:p>
         </p:txBody>
       </p:sp>
@@ -823,7 +834,7 @@
           <a:p>
             <a:fld id="{530820CF-B880-4189-942D-D702A7CBA730}" type="datetimeFigureOut">
               <a:rPr lang="zh-CN" altLang="en-US" smtClean="0"/>
-              <a:t>2018-03-18</a:t>
+              <a:t>2018/3/18</a:t>
             </a:fld>
             <a:endParaRPr lang="zh-CN" altLang="en-US"/>
           </a:p>
@@ -921,10 +932,9 @@
           </a:lstStyle>
           <a:p>
             <a:r>
-              <a:rPr lang="zh-CN" altLang="en-US" smtClean="0"/>
+              <a:rPr lang="zh-CN" altLang="en-US"/>
               <a:t>单击此处编辑母版标题样式</a:t>
             </a:r>
-            <a:endParaRPr lang="zh-CN" altLang="en-US"/>
           </a:p>
         </p:txBody>
       </p:sp>
@@ -1041,7 +1051,7 @@
           <a:p>
             <a:pPr lvl="0"/>
             <a:r>
-              <a:rPr lang="zh-CN" altLang="en-US" smtClean="0"/>
+              <a:rPr lang="zh-CN" altLang="en-US"/>
               <a:t>单击此处编辑母版文本样式</a:t>
             </a:r>
           </a:p>
@@ -1064,7 +1074,7 @@
           <a:p>
             <a:fld id="{530820CF-B880-4189-942D-D702A7CBA730}" type="datetimeFigureOut">
               <a:rPr lang="zh-CN" altLang="en-US" smtClean="0"/>
-              <a:t>2018-03-18</a:t>
+              <a:t>2018/3/18</a:t>
             </a:fld>
             <a:endParaRPr lang="zh-CN" altLang="en-US"/>
           </a:p>
@@ -1153,10 +1163,9 @@
           <a:lstStyle/>
           <a:p>
             <a:r>
-              <a:rPr lang="zh-CN" altLang="en-US" smtClean="0"/>
+              <a:rPr lang="zh-CN" altLang="en-US"/>
               <a:t>单击此处编辑母版标题样式</a:t>
             </a:r>
-            <a:endParaRPr lang="zh-CN" altLang="en-US"/>
           </a:p>
         </p:txBody>
       </p:sp>
@@ -1210,38 +1219,37 @@
           <a:p>
             <a:pPr lvl="0"/>
             <a:r>
-              <a:rPr lang="zh-CN" altLang="en-US" smtClean="0"/>
+              <a:rPr lang="zh-CN" altLang="en-US"/>
               <a:t>单击此处编辑母版文本样式</a:t>
             </a:r>
           </a:p>
           <a:p>
             <a:pPr lvl="1"/>
             <a:r>
-              <a:rPr lang="zh-CN" altLang="en-US" smtClean="0"/>
+              <a:rPr lang="zh-CN" altLang="en-US"/>
               <a:t>第二级</a:t>
             </a:r>
           </a:p>
           <a:p>
             <a:pPr lvl="2"/>
             <a:r>
-              <a:rPr lang="zh-CN" altLang="en-US" smtClean="0"/>
+              <a:rPr lang="zh-CN" altLang="en-US"/>
               <a:t>第三级</a:t>
             </a:r>
           </a:p>
           <a:p>
             <a:pPr lvl="3"/>
             <a:r>
-              <a:rPr lang="zh-CN" altLang="en-US" smtClean="0"/>
+              <a:rPr lang="zh-CN" altLang="en-US"/>
               <a:t>第四级</a:t>
             </a:r>
           </a:p>
           <a:p>
             <a:pPr lvl="4"/>
             <a:r>
-              <a:rPr lang="zh-CN" altLang="en-US" smtClean="0"/>
+              <a:rPr lang="zh-CN" altLang="en-US"/>
               <a:t>第五级</a:t>
             </a:r>
-            <a:endParaRPr lang="zh-CN" altLang="en-US"/>
           </a:p>
         </p:txBody>
       </p:sp>
@@ -1295,38 +1303,37 @@
           <a:p>
             <a:pPr lvl="0"/>
             <a:r>
-              <a:rPr lang="zh-CN" altLang="en-US" smtClean="0"/>
+              <a:rPr lang="zh-CN" altLang="en-US"/>
               <a:t>单击此处编辑母版文本样式</a:t>
             </a:r>
           </a:p>
           <a:p>
             <a:pPr lvl="1"/>
             <a:r>
-              <a:rPr lang="zh-CN" altLang="en-US" smtClean="0"/>
+              <a:rPr lang="zh-CN" altLang="en-US"/>
               <a:t>第二级</a:t>
             </a:r>
           </a:p>
           <a:p>
             <a:pPr lvl="2"/>
             <a:r>
-              <a:rPr lang="zh-CN" altLang="en-US" smtClean="0"/>
+              <a:rPr lang="zh-CN" altLang="en-US"/>
               <a:t>第三级</a:t>
             </a:r>
           </a:p>
           <a:p>
             <a:pPr lvl="3"/>
             <a:r>
-              <a:rPr lang="zh-CN" altLang="en-US" smtClean="0"/>
+              <a:rPr lang="zh-CN" altLang="en-US"/>
               <a:t>第四级</a:t>
             </a:r>
           </a:p>
           <a:p>
             <a:pPr lvl="4"/>
             <a:r>
-              <a:rPr lang="zh-CN" altLang="en-US" smtClean="0"/>
+              <a:rPr lang="zh-CN" altLang="en-US"/>
               <a:t>第五级</a:t>
             </a:r>
-            <a:endParaRPr lang="zh-CN" altLang="en-US"/>
           </a:p>
         </p:txBody>
       </p:sp>
@@ -1347,7 +1354,7 @@
           <a:p>
             <a:fld id="{530820CF-B880-4189-942D-D702A7CBA730}" type="datetimeFigureOut">
               <a:rPr lang="zh-CN" altLang="en-US" smtClean="0"/>
-              <a:t>2018-03-18</a:t>
+              <a:t>2018/3/18</a:t>
             </a:fld>
             <a:endParaRPr lang="zh-CN" altLang="en-US"/>
           </a:p>
@@ -1440,10 +1447,9 @@
           </a:lstStyle>
           <a:p>
             <a:r>
-              <a:rPr lang="zh-CN" altLang="en-US" smtClean="0"/>
+              <a:rPr lang="zh-CN" altLang="en-US"/>
               <a:t>单击此处编辑母版标题样式</a:t>
             </a:r>
-            <a:endParaRPr lang="zh-CN" altLang="en-US"/>
           </a:p>
         </p:txBody>
       </p:sp>
@@ -1506,7 +1512,7 @@
           <a:p>
             <a:pPr lvl="0"/>
             <a:r>
-              <a:rPr lang="zh-CN" altLang="en-US" smtClean="0"/>
+              <a:rPr lang="zh-CN" altLang="en-US"/>
               <a:t>单击此处编辑母版文本样式</a:t>
             </a:r>
           </a:p>
@@ -1562,38 +1568,37 @@
           <a:p>
             <a:pPr lvl="0"/>
             <a:r>
-              <a:rPr lang="zh-CN" altLang="en-US" smtClean="0"/>
+              <a:rPr lang="zh-CN" altLang="en-US"/>
               <a:t>单击此处编辑母版文本样式</a:t>
             </a:r>
           </a:p>
           <a:p>
             <a:pPr lvl="1"/>
             <a:r>
-              <a:rPr lang="zh-CN" altLang="en-US" smtClean="0"/>
+              <a:rPr lang="zh-CN" altLang="en-US"/>
               <a:t>第二级</a:t>
             </a:r>
           </a:p>
           <a:p>
             <a:pPr lvl="2"/>
             <a:r>
-              <a:rPr lang="zh-CN" altLang="en-US" smtClean="0"/>
+              <a:rPr lang="zh-CN" altLang="en-US"/>
               <a:t>第三级</a:t>
             </a:r>
           </a:p>
           <a:p>
             <a:pPr lvl="3"/>
             <a:r>
-              <a:rPr lang="zh-CN" altLang="en-US" smtClean="0"/>
+              <a:rPr lang="zh-CN" altLang="en-US"/>
               <a:t>第四级</a:t>
             </a:r>
           </a:p>
           <a:p>
             <a:pPr lvl="4"/>
             <a:r>
-              <a:rPr lang="zh-CN" altLang="en-US" smtClean="0"/>
+              <a:rPr lang="zh-CN" altLang="en-US"/>
               <a:t>第五级</a:t>
             </a:r>
-            <a:endParaRPr lang="zh-CN" altLang="en-US"/>
           </a:p>
         </p:txBody>
       </p:sp>
@@ -1656,7 +1661,7 @@
           <a:p>
             <a:pPr lvl="0"/>
             <a:r>
-              <a:rPr lang="zh-CN" altLang="en-US" smtClean="0"/>
+              <a:rPr lang="zh-CN" altLang="en-US"/>
               <a:t>单击此处编辑母版文本样式</a:t>
             </a:r>
           </a:p>
@@ -1712,38 +1717,37 @@
           <a:p>
             <a:pPr lvl="0"/>
             <a:r>
-              <a:rPr lang="zh-CN" altLang="en-US" smtClean="0"/>
+              <a:rPr lang="zh-CN" altLang="en-US"/>
               <a:t>单击此处编辑母版文本样式</a:t>
             </a:r>
           </a:p>
           <a:p>
             <a:pPr lvl="1"/>
             <a:r>
-              <a:rPr lang="zh-CN" altLang="en-US" smtClean="0"/>
+              <a:rPr lang="zh-CN" altLang="en-US"/>
               <a:t>第二级</a:t>
             </a:r>
           </a:p>
           <a:p>
             <a:pPr lvl="2"/>
             <a:r>
-              <a:rPr lang="zh-CN" altLang="en-US" smtClean="0"/>
+              <a:rPr lang="zh-CN" altLang="en-US"/>
               <a:t>第三级</a:t>
             </a:r>
           </a:p>
           <a:p>
             <a:pPr lvl="3"/>
             <a:r>
-              <a:rPr lang="zh-CN" altLang="en-US" smtClean="0"/>
+              <a:rPr lang="zh-CN" altLang="en-US"/>
               <a:t>第四级</a:t>
             </a:r>
           </a:p>
           <a:p>
             <a:pPr lvl="4"/>
             <a:r>
-              <a:rPr lang="zh-CN" altLang="en-US" smtClean="0"/>
+              <a:rPr lang="zh-CN" altLang="en-US"/>
               <a:t>第五级</a:t>
             </a:r>
-            <a:endParaRPr lang="zh-CN" altLang="en-US"/>
           </a:p>
         </p:txBody>
       </p:sp>
@@ -1764,7 +1768,7 @@
           <a:p>
             <a:fld id="{530820CF-B880-4189-942D-D702A7CBA730}" type="datetimeFigureOut">
               <a:rPr lang="zh-CN" altLang="en-US" smtClean="0"/>
-              <a:t>2018-03-18</a:t>
+              <a:t>2018/3/18</a:t>
             </a:fld>
             <a:endParaRPr lang="zh-CN" altLang="en-US"/>
           </a:p>
@@ -1853,10 +1857,9 @@
           <a:lstStyle/>
           <a:p>
             <a:r>
-              <a:rPr lang="zh-CN" altLang="en-US" smtClean="0"/>
+              <a:rPr lang="zh-CN" altLang="en-US"/>
               <a:t>单击此处编辑母版标题样式</a:t>
             </a:r>
-            <a:endParaRPr lang="zh-CN" altLang="en-US"/>
           </a:p>
         </p:txBody>
       </p:sp>
@@ -1877,7 +1880,7 @@
           <a:p>
             <a:fld id="{530820CF-B880-4189-942D-D702A7CBA730}" type="datetimeFigureOut">
               <a:rPr lang="zh-CN" altLang="en-US" smtClean="0"/>
-              <a:t>2018-03-18</a:t>
+              <a:t>2018/3/18</a:t>
             </a:fld>
             <a:endParaRPr lang="zh-CN" altLang="en-US"/>
           </a:p>
@@ -1967,7 +1970,7 @@
           <a:p>
             <a:fld id="{530820CF-B880-4189-942D-D702A7CBA730}" type="datetimeFigureOut">
               <a:rPr lang="zh-CN" altLang="en-US" smtClean="0"/>
-              <a:t>2018-03-18</a:t>
+              <a:t>2018/3/18</a:t>
             </a:fld>
             <a:endParaRPr lang="zh-CN" altLang="en-US"/>
           </a:p>
@@ -2065,10 +2068,9 @@
           </a:lstStyle>
           <a:p>
             <a:r>
-              <a:rPr lang="zh-CN" altLang="en-US" smtClean="0"/>
+              <a:rPr lang="zh-CN" altLang="en-US"/>
               <a:t>单击此处编辑母版标题样式</a:t>
             </a:r>
-            <a:endParaRPr lang="zh-CN" altLang="en-US"/>
           </a:p>
         </p:txBody>
       </p:sp>
@@ -2122,38 +2124,37 @@
           <a:p>
             <a:pPr lvl="0"/>
             <a:r>
-              <a:rPr lang="zh-CN" altLang="en-US" smtClean="0"/>
+              <a:rPr lang="zh-CN" altLang="en-US"/>
               <a:t>单击此处编辑母版文本样式</a:t>
             </a:r>
           </a:p>
           <a:p>
             <a:pPr lvl="1"/>
             <a:r>
-              <a:rPr lang="zh-CN" altLang="en-US" smtClean="0"/>
+              <a:rPr lang="zh-CN" altLang="en-US"/>
               <a:t>第二级</a:t>
             </a:r>
           </a:p>
           <a:p>
             <a:pPr lvl="2"/>
             <a:r>
-              <a:rPr lang="zh-CN" altLang="en-US" smtClean="0"/>
+              <a:rPr lang="zh-CN" altLang="en-US"/>
               <a:t>第三级</a:t>
             </a:r>
           </a:p>
           <a:p>
             <a:pPr lvl="3"/>
             <a:r>
-              <a:rPr lang="zh-CN" altLang="en-US" smtClean="0"/>
+              <a:rPr lang="zh-CN" altLang="en-US"/>
               <a:t>第四级</a:t>
             </a:r>
           </a:p>
           <a:p>
             <a:pPr lvl="4"/>
             <a:r>
-              <a:rPr lang="zh-CN" altLang="en-US" smtClean="0"/>
+              <a:rPr lang="zh-CN" altLang="en-US"/>
               <a:t>第五级</a:t>
             </a:r>
-            <a:endParaRPr lang="zh-CN" altLang="en-US"/>
           </a:p>
         </p:txBody>
       </p:sp>
@@ -2216,7 +2217,7 @@
           <a:p>
             <a:pPr lvl="0"/>
             <a:r>
-              <a:rPr lang="zh-CN" altLang="en-US" smtClean="0"/>
+              <a:rPr lang="zh-CN" altLang="en-US"/>
               <a:t>单击此处编辑母版文本样式</a:t>
             </a:r>
           </a:p>
@@ -2239,7 +2240,7 @@
           <a:p>
             <a:fld id="{530820CF-B880-4189-942D-D702A7CBA730}" type="datetimeFigureOut">
               <a:rPr lang="zh-CN" altLang="en-US" smtClean="0"/>
-              <a:t>2018-03-18</a:t>
+              <a:t>2018/3/18</a:t>
             </a:fld>
             <a:endParaRPr lang="zh-CN" altLang="en-US"/>
           </a:p>
@@ -2337,10 +2338,9 @@
           </a:lstStyle>
           <a:p>
             <a:r>
-              <a:rPr lang="zh-CN" altLang="en-US" smtClean="0"/>
+              <a:rPr lang="zh-CN" altLang="en-US"/>
               <a:t>单击此处编辑母版标题样式</a:t>
             </a:r>
-            <a:endParaRPr lang="zh-CN" altLang="en-US"/>
           </a:p>
         </p:txBody>
       </p:sp>
@@ -2464,7 +2464,7 @@
           <a:p>
             <a:pPr lvl="0"/>
             <a:r>
-              <a:rPr lang="zh-CN" altLang="en-US" smtClean="0"/>
+              <a:rPr lang="zh-CN" altLang="en-US"/>
               <a:t>单击此处编辑母版文本样式</a:t>
             </a:r>
           </a:p>
@@ -2487,7 +2487,7 @@
           <a:p>
             <a:fld id="{530820CF-B880-4189-942D-D702A7CBA730}" type="datetimeFigureOut">
               <a:rPr lang="zh-CN" altLang="en-US" smtClean="0"/>
-              <a:t>2018-03-18</a:t>
+              <a:t>2018/3/18</a:t>
             </a:fld>
             <a:endParaRPr lang="zh-CN" altLang="en-US"/>
           </a:p>
@@ -2591,10 +2591,9 @@
           <a:lstStyle/>
           <a:p>
             <a:r>
-              <a:rPr lang="zh-CN" altLang="en-US" smtClean="0"/>
+              <a:rPr lang="zh-CN" altLang="en-US"/>
               <a:t>单击此处编辑母版标题样式</a:t>
             </a:r>
-            <a:endParaRPr lang="zh-CN" altLang="en-US"/>
           </a:p>
         </p:txBody>
       </p:sp>
@@ -2625,38 +2624,37 @@
           <a:p>
             <a:pPr lvl="0"/>
             <a:r>
-              <a:rPr lang="zh-CN" altLang="en-US" smtClean="0"/>
+              <a:rPr lang="zh-CN" altLang="en-US"/>
               <a:t>单击此处编辑母版文本样式</a:t>
             </a:r>
           </a:p>
           <a:p>
             <a:pPr lvl="1"/>
             <a:r>
-              <a:rPr lang="zh-CN" altLang="en-US" smtClean="0"/>
+              <a:rPr lang="zh-CN" altLang="en-US"/>
               <a:t>第二级</a:t>
             </a:r>
           </a:p>
           <a:p>
             <a:pPr lvl="2"/>
             <a:r>
-              <a:rPr lang="zh-CN" altLang="en-US" smtClean="0"/>
+              <a:rPr lang="zh-CN" altLang="en-US"/>
               <a:t>第三级</a:t>
             </a:r>
           </a:p>
           <a:p>
             <a:pPr lvl="3"/>
             <a:r>
-              <a:rPr lang="zh-CN" altLang="en-US" smtClean="0"/>
+              <a:rPr lang="zh-CN" altLang="en-US"/>
               <a:t>第四级</a:t>
             </a:r>
           </a:p>
           <a:p>
             <a:pPr lvl="4"/>
             <a:r>
-              <a:rPr lang="zh-CN" altLang="en-US" smtClean="0"/>
+              <a:rPr lang="zh-CN" altLang="en-US"/>
               <a:t>第五级</a:t>
             </a:r>
-            <a:endParaRPr lang="zh-CN" altLang="en-US"/>
           </a:p>
         </p:txBody>
       </p:sp>
@@ -2695,7 +2693,7 @@
           <a:p>
             <a:fld id="{530820CF-B880-4189-942D-D702A7CBA730}" type="datetimeFigureOut">
               <a:rPr lang="zh-CN" altLang="en-US" smtClean="0"/>
-              <a:t>2018-03-18</a:t>
+              <a:t>2018/3/18</a:t>
             </a:fld>
             <a:endParaRPr lang="zh-CN" altLang="en-US"/>
           </a:p>
@@ -3413,10 +3411,9 @@
           <a:lstStyle/>
           <a:p>
             <a:r>
-              <a:rPr lang="zh-CN" altLang="en-US" sz="1400" dirty="0" smtClean="0"/>
+              <a:rPr lang="zh-CN" altLang="en-US" sz="1400" dirty="0"/>
               <a:t>经度</a:t>
             </a:r>
-            <a:endParaRPr lang="zh-CN" altLang="en-US" sz="1400" dirty="0"/>
           </a:p>
         </p:txBody>
       </p:sp>
@@ -3443,10 +3440,9 @@
           <a:lstStyle/>
           <a:p>
             <a:r>
-              <a:rPr lang="zh-CN" altLang="en-US" sz="1400" dirty="0" smtClean="0"/>
+              <a:rPr lang="zh-CN" altLang="en-US" sz="1400" dirty="0"/>
               <a:t>经度</a:t>
             </a:r>
-            <a:endParaRPr lang="zh-CN" altLang="en-US" sz="1400" dirty="0"/>
           </a:p>
         </p:txBody>
       </p:sp>
@@ -3473,10 +3469,9 @@
           <a:lstStyle/>
           <a:p>
             <a:r>
-              <a:rPr lang="zh-CN" altLang="en-US" sz="1400" dirty="0" smtClean="0"/>
+              <a:rPr lang="zh-CN" altLang="en-US" sz="1400" dirty="0"/>
               <a:t>纬度</a:t>
             </a:r>
-            <a:endParaRPr lang="zh-CN" altLang="en-US" sz="1400" dirty="0"/>
           </a:p>
         </p:txBody>
       </p:sp>
@@ -3503,10 +3498,9 @@
           <a:lstStyle/>
           <a:p>
             <a:r>
-              <a:rPr lang="zh-CN" altLang="en-US" sz="1400" dirty="0" smtClean="0"/>
+              <a:rPr lang="zh-CN" altLang="en-US" sz="1400" dirty="0"/>
               <a:t>纬度</a:t>
             </a:r>
-            <a:endParaRPr lang="zh-CN" altLang="en-US" sz="1400" dirty="0"/>
           </a:p>
         </p:txBody>
       </p:sp>
@@ -3604,10 +3598,9 @@
           <a:lstStyle/>
           <a:p>
             <a:r>
-              <a:rPr lang="zh-CN" altLang="en-US" sz="1400" dirty="0" smtClean="0"/>
+              <a:rPr lang="zh-CN" altLang="en-US" sz="1400" dirty="0"/>
               <a:t>经度</a:t>
             </a:r>
-            <a:endParaRPr lang="zh-CN" altLang="en-US" sz="1400" dirty="0"/>
           </a:p>
         </p:txBody>
       </p:sp>
@@ -3634,10 +3627,9 @@
           <a:lstStyle/>
           <a:p>
             <a:r>
-              <a:rPr lang="zh-CN" altLang="en-US" sz="1400" dirty="0" smtClean="0"/>
+              <a:rPr lang="zh-CN" altLang="en-US" sz="1400" dirty="0"/>
               <a:t>纬度</a:t>
             </a:r>
-            <a:endParaRPr lang="zh-CN" altLang="en-US" sz="1400" dirty="0"/>
           </a:p>
         </p:txBody>
       </p:sp>
@@ -3893,10 +3885,9 @@
           <a:lstStyle/>
           <a:p>
             <a:r>
-              <a:rPr lang="zh-CN" altLang="en-US" sz="1400" dirty="0" smtClean="0"/>
+              <a:rPr lang="zh-CN" altLang="en-US" sz="1400" dirty="0"/>
               <a:t>经度</a:t>
             </a:r>
-            <a:endParaRPr lang="zh-CN" altLang="en-US" sz="1400" dirty="0"/>
           </a:p>
         </p:txBody>
       </p:sp>
@@ -3923,10 +3914,9 @@
           <a:lstStyle/>
           <a:p>
             <a:r>
-              <a:rPr lang="zh-CN" altLang="en-US" sz="1400" dirty="0" smtClean="0"/>
+              <a:rPr lang="zh-CN" altLang="en-US" sz="1400" dirty="0"/>
               <a:t>纬度</a:t>
             </a:r>
-            <a:endParaRPr lang="zh-CN" altLang="en-US" sz="1400" dirty="0"/>
           </a:p>
         </p:txBody>
       </p:sp>
@@ -3953,10 +3943,9 @@
           <a:lstStyle/>
           <a:p>
             <a:r>
-              <a:rPr lang="zh-CN" altLang="en-US" sz="1400" dirty="0" smtClean="0"/>
+              <a:rPr lang="zh-CN" altLang="en-US" sz="1400" dirty="0"/>
               <a:t>经度</a:t>
             </a:r>
-            <a:endParaRPr lang="zh-CN" altLang="en-US" sz="1400" dirty="0"/>
           </a:p>
         </p:txBody>
       </p:sp>
@@ -3983,10 +3972,9 @@
           <a:lstStyle/>
           <a:p>
             <a:r>
-              <a:rPr lang="zh-CN" altLang="en-US" sz="1400" dirty="0" smtClean="0"/>
+              <a:rPr lang="zh-CN" altLang="en-US" sz="1400" dirty="0"/>
               <a:t>纬度</a:t>
             </a:r>
-            <a:endParaRPr lang="zh-CN" altLang="en-US" sz="1400" dirty="0"/>
           </a:p>
         </p:txBody>
       </p:sp>
@@ -4467,10 +4455,9 @@
           <a:lstStyle/>
           <a:p>
             <a:r>
-              <a:rPr lang="zh-CN" altLang="en-US" sz="1400" dirty="0" smtClean="0"/>
+              <a:rPr lang="zh-CN" altLang="en-US" sz="1400" dirty="0"/>
               <a:t>经度</a:t>
             </a:r>
-            <a:endParaRPr lang="zh-CN" altLang="en-US" sz="1400" dirty="0"/>
           </a:p>
         </p:txBody>
       </p:sp>
@@ -4497,10 +4484,9 @@
           <a:lstStyle/>
           <a:p>
             <a:r>
-              <a:rPr lang="zh-CN" altLang="en-US" sz="1400" dirty="0" smtClean="0"/>
+              <a:rPr lang="zh-CN" altLang="en-US" sz="1400" dirty="0"/>
               <a:t>纬度</a:t>
             </a:r>
-            <a:endParaRPr lang="zh-CN" altLang="en-US" sz="1400" dirty="0"/>
           </a:p>
         </p:txBody>
       </p:sp>
@@ -4527,10 +4513,9 @@
           <a:lstStyle/>
           <a:p>
             <a:r>
-              <a:rPr lang="zh-CN" altLang="en-US" sz="1400" dirty="0" smtClean="0"/>
+              <a:rPr lang="zh-CN" altLang="en-US" sz="1400" dirty="0"/>
               <a:t>经度</a:t>
             </a:r>
-            <a:endParaRPr lang="zh-CN" altLang="en-US" sz="1400" dirty="0"/>
           </a:p>
         </p:txBody>
       </p:sp>
@@ -4557,10 +4542,9 @@
           <a:lstStyle/>
           <a:p>
             <a:r>
-              <a:rPr lang="zh-CN" altLang="en-US" sz="1400" dirty="0" smtClean="0"/>
+              <a:rPr lang="zh-CN" altLang="en-US" sz="1400" dirty="0"/>
               <a:t>纬度</a:t>
             </a:r>
-            <a:endParaRPr lang="zh-CN" altLang="en-US" sz="1400" dirty="0"/>
           </a:p>
         </p:txBody>
       </p:sp>
@@ -4704,10 +4688,9 @@
           <a:lstStyle/>
           <a:p>
             <a:r>
-              <a:rPr lang="zh-CN" altLang="en-US" sz="1400" dirty="0" smtClean="0"/>
+              <a:rPr lang="zh-CN" altLang="en-US" sz="1400" dirty="0"/>
               <a:t>经度</a:t>
             </a:r>
-            <a:endParaRPr lang="zh-CN" altLang="en-US" sz="1400" dirty="0"/>
           </a:p>
         </p:txBody>
       </p:sp>
@@ -4734,10 +4717,9 @@
           <a:lstStyle/>
           <a:p>
             <a:r>
-              <a:rPr lang="zh-CN" altLang="en-US" sz="1400" dirty="0" smtClean="0"/>
+              <a:rPr lang="zh-CN" altLang="en-US" sz="1400" dirty="0"/>
               <a:t>纬度</a:t>
             </a:r>
-            <a:endParaRPr lang="zh-CN" altLang="en-US" sz="1400" dirty="0"/>
           </a:p>
         </p:txBody>
       </p:sp>
@@ -4764,10 +4746,9 @@
           <a:lstStyle/>
           <a:p>
             <a:r>
-              <a:rPr lang="zh-CN" altLang="en-US" sz="1400" dirty="0" smtClean="0"/>
+              <a:rPr lang="zh-CN" altLang="en-US" sz="1400" dirty="0"/>
               <a:t>经度</a:t>
             </a:r>
-            <a:endParaRPr lang="zh-CN" altLang="en-US" sz="1400" dirty="0"/>
           </a:p>
         </p:txBody>
       </p:sp>
@@ -4794,10 +4775,9 @@
           <a:lstStyle/>
           <a:p>
             <a:r>
-              <a:rPr lang="zh-CN" altLang="en-US" sz="1400" dirty="0" smtClean="0"/>
+              <a:rPr lang="zh-CN" altLang="en-US" sz="1400" dirty="0"/>
               <a:t>经度</a:t>
             </a:r>
-            <a:endParaRPr lang="zh-CN" altLang="en-US" sz="1400" dirty="0"/>
           </a:p>
         </p:txBody>
       </p:sp>
@@ -4932,10 +4912,9 @@
           <a:lstStyle/>
           <a:p>
             <a:r>
-              <a:rPr lang="zh-CN" altLang="en-US" sz="1400" dirty="0" smtClean="0"/>
+              <a:rPr lang="zh-CN" altLang="en-US" sz="1400" dirty="0"/>
               <a:t>经度</a:t>
             </a:r>
-            <a:endParaRPr lang="zh-CN" altLang="en-US" sz="1400" dirty="0"/>
           </a:p>
         </p:txBody>
       </p:sp>
@@ -4962,10 +4941,9 @@
           <a:lstStyle/>
           <a:p>
             <a:r>
-              <a:rPr lang="zh-CN" altLang="en-US" sz="1400" dirty="0" smtClean="0"/>
+              <a:rPr lang="zh-CN" altLang="en-US" sz="1400" dirty="0"/>
               <a:t>纬度</a:t>
             </a:r>
-            <a:endParaRPr lang="zh-CN" altLang="en-US" sz="1400" dirty="0"/>
           </a:p>
         </p:txBody>
       </p:sp>
@@ -4992,10 +4970,9 @@
           <a:lstStyle/>
           <a:p>
             <a:r>
-              <a:rPr lang="zh-CN" altLang="en-US" sz="1400" dirty="0" smtClean="0"/>
+              <a:rPr lang="zh-CN" altLang="en-US" sz="1400" dirty="0"/>
               <a:t>经度</a:t>
             </a:r>
-            <a:endParaRPr lang="zh-CN" altLang="en-US" sz="1400" dirty="0"/>
           </a:p>
         </p:txBody>
       </p:sp>
@@ -5022,10 +4999,9 @@
           <a:lstStyle/>
           <a:p>
             <a:r>
-              <a:rPr lang="zh-CN" altLang="en-US" sz="1400" dirty="0" smtClean="0"/>
+              <a:rPr lang="zh-CN" altLang="en-US" sz="1400" dirty="0"/>
               <a:t>纬度</a:t>
             </a:r>
-            <a:endParaRPr lang="zh-CN" altLang="en-US" sz="1400" dirty="0"/>
           </a:p>
         </p:txBody>
       </p:sp>
@@ -5111,10 +5087,9 @@
           <a:lstStyle/>
           <a:p>
             <a:r>
-              <a:rPr lang="zh-CN" altLang="en-US" sz="1400" dirty="0" smtClean="0"/>
+              <a:rPr lang="zh-CN" altLang="en-US" sz="1400" dirty="0"/>
               <a:t>经度</a:t>
             </a:r>
-            <a:endParaRPr lang="zh-CN" altLang="en-US" sz="1400" dirty="0"/>
           </a:p>
         </p:txBody>
       </p:sp>
@@ -5141,10 +5116,9 @@
           <a:lstStyle/>
           <a:p>
             <a:r>
-              <a:rPr lang="zh-CN" altLang="en-US" sz="1400" dirty="0" smtClean="0"/>
+              <a:rPr lang="zh-CN" altLang="en-US" sz="1400" dirty="0"/>
               <a:t>纬度</a:t>
             </a:r>
-            <a:endParaRPr lang="zh-CN" altLang="en-US" sz="1400" dirty="0"/>
           </a:p>
         </p:txBody>
       </p:sp>
@@ -5387,10 +5361,9 @@
           <a:lstStyle/>
           <a:p>
             <a:r>
-              <a:rPr lang="zh-CN" altLang="en-US" sz="1400" dirty="0" smtClean="0"/>
+              <a:rPr lang="zh-CN" altLang="en-US" sz="1400" dirty="0"/>
               <a:t>经度</a:t>
             </a:r>
-            <a:endParaRPr lang="zh-CN" altLang="en-US" sz="1400" dirty="0"/>
           </a:p>
         </p:txBody>
       </p:sp>
@@ -5417,10 +5390,9 @@
           <a:lstStyle/>
           <a:p>
             <a:r>
-              <a:rPr lang="zh-CN" altLang="en-US" sz="1400" dirty="0" smtClean="0"/>
+              <a:rPr lang="zh-CN" altLang="en-US" sz="1400" dirty="0"/>
               <a:t>纬度</a:t>
             </a:r>
-            <a:endParaRPr lang="zh-CN" altLang="en-US" sz="1400" dirty="0"/>
           </a:p>
         </p:txBody>
       </p:sp>
@@ -5447,10 +5419,9 @@
           <a:lstStyle/>
           <a:p>
             <a:r>
-              <a:rPr lang="zh-CN" altLang="en-US" sz="1400" dirty="0" smtClean="0"/>
+              <a:rPr lang="zh-CN" altLang="en-US" sz="1400" dirty="0"/>
               <a:t>经度</a:t>
             </a:r>
-            <a:endParaRPr lang="zh-CN" altLang="en-US" sz="1400" dirty="0"/>
           </a:p>
         </p:txBody>
       </p:sp>
@@ -5477,10 +5448,9 @@
           <a:lstStyle/>
           <a:p>
             <a:r>
-              <a:rPr lang="zh-CN" altLang="en-US" sz="1400" dirty="0" smtClean="0"/>
+              <a:rPr lang="zh-CN" altLang="en-US" sz="1400" dirty="0"/>
               <a:t>经度</a:t>
             </a:r>
-            <a:endParaRPr lang="zh-CN" altLang="en-US" sz="1400" dirty="0"/>
           </a:p>
         </p:txBody>
       </p:sp>
@@ -5535,8 +5505,8 @@
         </p:blipFill>
         <p:spPr>
           <a:xfrm>
-            <a:off x="686781" y="483512"/>
-            <a:ext cx="2445059" cy="1824259"/>
+            <a:off x="731453" y="-452586"/>
+            <a:ext cx="3741871" cy="2791808"/>
           </a:xfrm>
           <a:prstGeom prst="rect">
             <a:avLst/>
@@ -5564,8 +5534,8 @@
         </p:blipFill>
         <p:spPr>
           <a:xfrm>
-            <a:off x="3059832" y="484458"/>
-            <a:ext cx="2439144" cy="1823313"/>
+            <a:off x="4321761" y="-451140"/>
+            <a:ext cx="3732818" cy="2790362"/>
           </a:xfrm>
           <a:prstGeom prst="rect">
             <a:avLst/>
@@ -5588,13 +5558,13 @@
               </a:ext>
             </a:extLst>
           </a:blip>
-          <a:srcRect l="9620" b="22512"/>
+          <a:srcRect l="9620" t="14889" b="22512"/>
           <a:stretch/>
         </p:blipFill>
         <p:spPr>
           <a:xfrm>
-            <a:off x="755576" y="2588532"/>
-            <a:ext cx="2407705" cy="1824676"/>
+            <a:off x="731453" y="2589674"/>
+            <a:ext cx="3741871" cy="2290905"/>
           </a:xfrm>
           <a:prstGeom prst="rect">
             <a:avLst/>
@@ -5609,7 +5579,36 @@
         </p:nvSpPr>
         <p:spPr>
           <a:xfrm>
-            <a:off x="1672277" y="2263973"/>
+            <a:off x="2404757" y="2281898"/>
+            <a:ext cx="758524" cy="307777"/>
+          </a:xfrm>
+          <a:prstGeom prst="rect">
+            <a:avLst/>
+          </a:prstGeom>
+          <a:noFill/>
+        </p:spPr>
+        <p:txBody>
+          <a:bodyPr wrap="square" rtlCol="0">
+            <a:spAutoFit/>
+          </a:bodyPr>
+          <a:lstStyle/>
+          <a:p>
+            <a:r>
+              <a:rPr lang="zh-CN" altLang="en-US" sz="1400" dirty="0"/>
+              <a:t>经度</a:t>
+            </a:r>
+          </a:p>
+        </p:txBody>
+      </p:sp>
+      <p:sp>
+        <p:nvSpPr>
+          <p:cNvPr id="6" name="TextBox 5"/>
+          <p:cNvSpPr txBox="1"/>
+          <p:nvPr/>
+        </p:nvSpPr>
+        <p:spPr>
+          <a:xfrm rot="16200000">
+            <a:off x="329816" y="1061299"/>
             <a:ext cx="543739" cy="307777"/>
           </a:xfrm>
           <a:prstGeom prst="rect">
@@ -5624,22 +5623,50 @@
           <a:lstStyle/>
           <a:p>
             <a:r>
-              <a:rPr lang="zh-CN" altLang="en-US" sz="1400" dirty="0" smtClean="0"/>
+              <a:rPr lang="zh-CN" altLang="en-US" sz="1400" dirty="0"/>
+              <a:t>纬度</a:t>
+            </a:r>
+          </a:p>
+        </p:txBody>
+      </p:sp>
+      <p:sp>
+        <p:nvSpPr>
+          <p:cNvPr id="7" name="TextBox 6"/>
+          <p:cNvSpPr txBox="1"/>
+          <p:nvPr/>
+        </p:nvSpPr>
+        <p:spPr>
+          <a:xfrm>
+            <a:off x="5837772" y="2281899"/>
+            <a:ext cx="758524" cy="307777"/>
+          </a:xfrm>
+          <a:prstGeom prst="rect">
+            <a:avLst/>
+          </a:prstGeom>
+          <a:noFill/>
+        </p:spPr>
+        <p:txBody>
+          <a:bodyPr wrap="square" rtlCol="0">
+            <a:spAutoFit/>
+          </a:bodyPr>
+          <a:lstStyle/>
+          <a:p>
+            <a:r>
+              <a:rPr lang="zh-CN" altLang="en-US" sz="1400" dirty="0"/>
               <a:t>经度</a:t>
             </a:r>
-            <a:endParaRPr lang="zh-CN" altLang="en-US" sz="1400" dirty="0"/>
-          </a:p>
-        </p:txBody>
-      </p:sp>
-      <p:sp>
-        <p:nvSpPr>
-          <p:cNvPr id="6" name="TextBox 5"/>
+          </a:p>
+        </p:txBody>
+      </p:sp>
+      <p:sp>
+        <p:nvSpPr>
+          <p:cNvPr id="8" name="TextBox 7"/>
           <p:cNvSpPr txBox="1"/>
           <p:nvPr/>
         </p:nvSpPr>
         <p:spPr>
-          <a:xfrm rot="16200000">
-            <a:off x="329818" y="1321580"/>
+          <a:xfrm>
+            <a:off x="2247352" y="4835170"/>
             <a:ext cx="543739" cy="307777"/>
           </a:xfrm>
           <a:prstGeom prst="rect">
@@ -5654,22 +5681,21 @@
           <a:lstStyle/>
           <a:p>
             <a:r>
-              <a:rPr lang="zh-CN" altLang="en-US" sz="1400" dirty="0" smtClean="0"/>
-              <a:t>纬度</a:t>
-            </a:r>
-            <a:endParaRPr lang="zh-CN" altLang="en-US" sz="1400" dirty="0"/>
-          </a:p>
-        </p:txBody>
-      </p:sp>
-      <p:sp>
-        <p:nvSpPr>
-          <p:cNvPr id="7" name="TextBox 6"/>
+              <a:rPr lang="zh-CN" altLang="en-US" sz="1400" dirty="0"/>
+              <a:t>经度</a:t>
+            </a:r>
+          </a:p>
+        </p:txBody>
+      </p:sp>
+      <p:sp>
+        <p:nvSpPr>
+          <p:cNvPr id="9" name="TextBox 8"/>
           <p:cNvSpPr txBox="1"/>
           <p:nvPr/>
         </p:nvSpPr>
         <p:spPr>
-          <a:xfrm>
-            <a:off x="4054257" y="2259021"/>
+          <a:xfrm rot="16200000">
+            <a:off x="305695" y="3557247"/>
             <a:ext cx="543739" cy="307777"/>
           </a:xfrm>
           <a:prstGeom prst="rect">
@@ -5684,70 +5710,9 @@
           <a:lstStyle/>
           <a:p>
             <a:r>
-              <a:rPr lang="zh-CN" altLang="en-US" sz="1400" dirty="0" smtClean="0"/>
-              <a:t>经度</a:t>
-            </a:r>
-            <a:endParaRPr lang="zh-CN" altLang="en-US" sz="1400" dirty="0"/>
-          </a:p>
-        </p:txBody>
-      </p:sp>
-      <p:sp>
-        <p:nvSpPr>
-          <p:cNvPr id="8" name="TextBox 7"/>
-          <p:cNvSpPr txBox="1"/>
-          <p:nvPr/>
-        </p:nvSpPr>
-        <p:spPr>
-          <a:xfrm>
-            <a:off x="1824032" y="4364457"/>
-            <a:ext cx="543739" cy="307777"/>
-          </a:xfrm>
-          <a:prstGeom prst="rect">
-            <a:avLst/>
-          </a:prstGeom>
-          <a:noFill/>
-        </p:spPr>
-        <p:txBody>
-          <a:bodyPr wrap="none" rtlCol="0">
-            <a:spAutoFit/>
-          </a:bodyPr>
-          <a:lstStyle/>
-          <a:p>
-            <a:r>
-              <a:rPr lang="zh-CN" altLang="en-US" sz="1400" dirty="0" smtClean="0"/>
-              <a:t>经度</a:t>
-            </a:r>
-            <a:endParaRPr lang="zh-CN" altLang="en-US" sz="1400" dirty="0"/>
-          </a:p>
-        </p:txBody>
-      </p:sp>
-      <p:sp>
-        <p:nvSpPr>
-          <p:cNvPr id="9" name="TextBox 8"/>
-          <p:cNvSpPr txBox="1"/>
-          <p:nvPr/>
-        </p:nvSpPr>
-        <p:spPr>
-          <a:xfrm rot="16200000">
-            <a:off x="329816" y="3481820"/>
-            <a:ext cx="543739" cy="307777"/>
-          </a:xfrm>
-          <a:prstGeom prst="rect">
-            <a:avLst/>
-          </a:prstGeom>
-          <a:noFill/>
-        </p:spPr>
-        <p:txBody>
-          <a:bodyPr wrap="none" rtlCol="0">
-            <a:spAutoFit/>
-          </a:bodyPr>
-          <a:lstStyle/>
-          <a:p>
-            <a:r>
-              <a:rPr lang="zh-CN" altLang="en-US" sz="1400" dirty="0" smtClean="0"/>
+              <a:rPr lang="zh-CN" altLang="en-US" sz="1400" dirty="0"/>
               <a:t>纬度</a:t>
             </a:r>
-            <a:endParaRPr lang="zh-CN" altLang="en-US" sz="1400" dirty="0"/>
           </a:p>
         </p:txBody>
       </p:sp>
@@ -5759,13 +5724,13 @@
         </p:nvPicPr>
         <p:blipFill rotWithShape="1">
           <a:blip r:embed="rId5"/>
-          <a:srcRect l="53488" b="8882"/>
+          <a:srcRect l="53488" b="10759"/>
           <a:stretch/>
         </p:blipFill>
         <p:spPr>
           <a:xfrm>
-            <a:off x="3059832" y="2981426"/>
-            <a:ext cx="2297673" cy="1431782"/>
+            <a:off x="4306989" y="2634317"/>
+            <a:ext cx="3577379" cy="2227974"/>
           </a:xfrm>
           <a:prstGeom prst="rect">
             <a:avLst/>
@@ -5780,7 +5745,7 @@
         </p:nvSpPr>
         <p:spPr>
           <a:xfrm>
-            <a:off x="4007534" y="4364456"/>
+            <a:off x="5881971" y="4856261"/>
             <a:ext cx="543739" cy="307777"/>
           </a:xfrm>
           <a:prstGeom prst="rect">
@@ -5795,10 +5760,9 @@
           <a:lstStyle/>
           <a:p>
             <a:r>
-              <a:rPr lang="zh-CN" altLang="en-US" sz="1400" dirty="0" smtClean="0"/>
+              <a:rPr lang="zh-CN" altLang="en-US" sz="1400" dirty="0"/>
               <a:t>经度</a:t>
             </a:r>
-            <a:endParaRPr lang="zh-CN" altLang="en-US" sz="1400" dirty="0"/>
           </a:p>
         </p:txBody>
       </p:sp>
@@ -7390,7 +7354,7 @@
           <a:lstStyle/>
           <a:p>
             <a:r>
-              <a:rPr lang="en-US" altLang="zh-CN" dirty="0" smtClean="0"/>
+              <a:rPr lang="en-US" altLang="zh-CN" dirty="0"/>
               <a:t>B</a:t>
             </a:r>
             <a:endParaRPr lang="zh-CN" altLang="en-US" dirty="0"/>
@@ -7420,7 +7384,7 @@
           <a:lstStyle/>
           <a:p>
             <a:r>
-              <a:rPr lang="en-US" altLang="zh-CN" dirty="0" smtClean="0"/>
+              <a:rPr lang="en-US" altLang="zh-CN" dirty="0"/>
               <a:t>C</a:t>
             </a:r>
             <a:endParaRPr lang="zh-CN" altLang="en-US" dirty="0"/>
@@ -7587,28 +7551,54 @@
       </p:grpSpPr>
       <p:pic>
         <p:nvPicPr>
-          <p:cNvPr id="2" name="图片 1"/>
-          <p:cNvPicPr>
-            <a:picLocks noChangeAspect="1"/>
-          </p:cNvPicPr>
+          <p:cNvPr id="2" name="图片 1">
+            <a:extLst>
+              <a:ext uri="{FF2B5EF4-FFF2-40B4-BE49-F238E27FC236}">
+                <a16:creationId xmlns:a16="http://schemas.microsoft.com/office/drawing/2014/main" id="{D3653F37-02A7-48BC-8341-AAA0159F5B8E}"/>
+              </a:ext>
+            </a:extLst>
+          </p:cNvPr>
+          <p:cNvPicPr/>
           <p:nvPr/>
         </p:nvPicPr>
         <p:blipFill>
-          <a:blip r:embed="rId2" cstate="print">
-            <a:extLst>
-              <a:ext uri="{28A0092B-C50C-407E-A947-70E740481C1C}">
-                <a14:useLocalDpi xmlns:a14="http://schemas.microsoft.com/office/drawing/2010/main" val="0"/>
-              </a:ext>
-            </a:extLst>
-          </a:blip>
+          <a:blip r:embed="rId2"/>
           <a:stretch>
             <a:fillRect/>
           </a:stretch>
         </p:blipFill>
         <p:spPr>
           <a:xfrm>
-            <a:off x="971600" y="51470"/>
-            <a:ext cx="5832648" cy="5155645"/>
+            <a:off x="1619671" y="1131590"/>
+            <a:ext cx="2890287" cy="2952328"/>
+          </a:xfrm>
+          <a:prstGeom prst="rect">
+            <a:avLst/>
+          </a:prstGeom>
+        </p:spPr>
+      </p:pic>
+      <p:pic>
+        <p:nvPicPr>
+          <p:cNvPr id="3" name="图片 2">
+            <a:extLst>
+              <a:ext uri="{FF2B5EF4-FFF2-40B4-BE49-F238E27FC236}">
+                <a16:creationId xmlns:a16="http://schemas.microsoft.com/office/drawing/2014/main" id="{D491CB99-BB27-4793-B644-2E8AF0120A32}"/>
+              </a:ext>
+            </a:extLst>
+          </p:cNvPr>
+          <p:cNvPicPr/>
+          <p:nvPr/>
+        </p:nvPicPr>
+        <p:blipFill>
+          <a:blip r:embed="rId3"/>
+          <a:stretch>
+            <a:fillRect/>
+          </a:stretch>
+        </p:blipFill>
+        <p:spPr>
+          <a:xfrm>
+            <a:off x="5076056" y="1137300"/>
+            <a:ext cx="2052811" cy="2946618"/>
           </a:xfrm>
           <a:prstGeom prst="rect">
             <a:avLst/>
@@ -7618,7 +7608,7 @@
     </p:spTree>
     <p:extLst>
       <p:ext uri="{BB962C8B-B14F-4D97-AF65-F5344CB8AC3E}">
-        <p14:creationId xmlns:p14="http://schemas.microsoft.com/office/powerpoint/2010/main" val="4081991638"/>
+        <p14:creationId xmlns:p14="http://schemas.microsoft.com/office/powerpoint/2010/main" val="2992278957"/>
       </p:ext>
     </p:extLst>
   </p:cSld>
@@ -7647,14 +7637,257 @@
       </p:grpSpPr>
       <p:pic>
         <p:nvPicPr>
-          <p:cNvPr id="13314" name="Picture 2"/>
+          <p:cNvPr id="2" name="图片 1"/>
+          <p:cNvPicPr>
+            <a:picLocks noChangeAspect="1"/>
+          </p:cNvPicPr>
+          <p:nvPr/>
+        </p:nvPicPr>
+        <p:blipFill>
+          <a:blip r:embed="rId2" cstate="print">
+            <a:extLst>
+              <a:ext uri="{28A0092B-C50C-407E-A947-70E740481C1C}">
+                <a14:useLocalDpi xmlns:a14="http://schemas.microsoft.com/office/drawing/2010/main" val="0"/>
+              </a:ext>
+            </a:extLst>
+          </a:blip>
+          <a:stretch>
+            <a:fillRect/>
+          </a:stretch>
+        </p:blipFill>
+        <p:spPr>
+          <a:xfrm>
+            <a:off x="971600" y="51470"/>
+            <a:ext cx="5832648" cy="5155645"/>
+          </a:xfrm>
+          <a:prstGeom prst="rect">
+            <a:avLst/>
+          </a:prstGeom>
+        </p:spPr>
+      </p:pic>
+    </p:spTree>
+    <p:extLst>
+      <p:ext uri="{BB962C8B-B14F-4D97-AF65-F5344CB8AC3E}">
+        <p14:creationId xmlns:p14="http://schemas.microsoft.com/office/powerpoint/2010/main" val="4081991638"/>
+      </p:ext>
+    </p:extLst>
+  </p:cSld>
+  <p:clrMapOvr>
+    <a:masterClrMapping/>
+  </p:clrMapOvr>
+</p:sld>
+</file>
+
+<file path=ppt/slides/slide32.xml><?xml version="1.0" encoding="utf-8"?>
+<p:sld xmlns:a="http://schemas.openxmlformats.org/drawingml/2006/main" xmlns:r="http://schemas.openxmlformats.org/officeDocument/2006/relationships" xmlns:p="http://schemas.openxmlformats.org/presentationml/2006/main">
+  <p:cSld>
+    <p:spTree>
+      <p:nvGrpSpPr>
+        <p:cNvPr id="1" name=""/>
+        <p:cNvGrpSpPr/>
+        <p:nvPr/>
+      </p:nvGrpSpPr>
+      <p:grpSpPr>
+        <a:xfrm>
+          <a:off x="0" y="0"/>
+          <a:ext cx="0" cy="0"/>
+          <a:chOff x="0" y="0"/>
+          <a:chExt cx="0" cy="0"/>
+        </a:xfrm>
+      </p:grpSpPr>
+      <p:grpSp>
+        <p:nvGrpSpPr>
+          <p:cNvPr id="3" name="组合 2">
+            <a:extLst>
+              <a:ext uri="{FF2B5EF4-FFF2-40B4-BE49-F238E27FC236}">
+                <a16:creationId xmlns:a16="http://schemas.microsoft.com/office/drawing/2014/main" id="{E6621AD2-576A-45B4-AF26-F02350FDCDCC}"/>
+              </a:ext>
+            </a:extLst>
+          </p:cNvPr>
+          <p:cNvGrpSpPr/>
+          <p:nvPr/>
+        </p:nvGrpSpPr>
+        <p:grpSpPr>
+          <a:xfrm>
+            <a:off x="3779912" y="807429"/>
+            <a:ext cx="4680520" cy="3528642"/>
+            <a:chOff x="940804" y="-298174"/>
+            <a:chExt cx="7262391" cy="5475113"/>
+          </a:xfrm>
+        </p:grpSpPr>
+        <p:pic>
+          <p:nvPicPr>
+            <p:cNvPr id="13314" name="Picture 2"/>
+            <p:cNvPicPr>
+              <a:picLocks noChangeAspect="1" noChangeArrowheads="1"/>
+            </p:cNvPicPr>
+            <p:nvPr/>
+          </p:nvPicPr>
+          <p:blipFill>
+            <a:blip r:embed="rId2">
+              <a:extLst>
+                <a:ext uri="{28A0092B-C50C-407E-A947-70E740481C1C}">
+                  <a14:useLocalDpi xmlns:a14="http://schemas.microsoft.com/office/drawing/2010/main" val="0"/>
+                </a:ext>
+              </a:extLst>
+            </a:blip>
+            <a:srcRect/>
+            <a:stretch>
+              <a:fillRect/>
+            </a:stretch>
+          </p:blipFill>
+          <p:spPr bwMode="auto">
+            <a:xfrm>
+              <a:off x="940804" y="-298174"/>
+              <a:ext cx="7262391" cy="5475113"/>
+            </a:xfrm>
+            <a:prstGeom prst="rect">
+              <a:avLst/>
+            </a:prstGeom>
+            <a:noFill/>
+            <a:ln>
+              <a:noFill/>
+            </a:ln>
+            <a:extLst>
+              <a:ext uri="{909E8E84-426E-40DD-AFC4-6F175D3DCCD1}">
+                <a14:hiddenFill xmlns:a14="http://schemas.microsoft.com/office/drawing/2010/main">
+                  <a:solidFill>
+                    <a:schemeClr val="accent1"/>
+                  </a:solidFill>
+                </a14:hiddenFill>
+              </a:ext>
+              <a:ext uri="{91240B29-F687-4F45-9708-019B960494DF}">
+                <a14:hiddenLine xmlns:a14="http://schemas.microsoft.com/office/drawing/2010/main" w="9525">
+                  <a:solidFill>
+                    <a:schemeClr val="tx1"/>
+                  </a:solidFill>
+                  <a:miter lim="800000"/>
+                  <a:headEnd/>
+                  <a:tailEnd/>
+                </a14:hiddenLine>
+              </a:ext>
+            </a:extLst>
+          </p:spPr>
+        </p:pic>
+        <p:sp>
+          <p:nvSpPr>
+            <p:cNvPr id="2" name="矩形 1"/>
+            <p:cNvSpPr/>
+            <p:nvPr/>
+          </p:nvSpPr>
+          <p:spPr>
+            <a:xfrm>
+              <a:off x="1691680" y="1563638"/>
+              <a:ext cx="3456384" cy="2592288"/>
+            </a:xfrm>
+            <a:prstGeom prst="rect">
+              <a:avLst/>
+            </a:prstGeom>
+            <a:solidFill>
+              <a:schemeClr val="bg1"/>
+            </a:solidFill>
+            <a:ln>
+              <a:solidFill>
+                <a:schemeClr val="bg1"/>
+              </a:solidFill>
+            </a:ln>
+          </p:spPr>
+          <p:style>
+            <a:lnRef idx="2">
+              <a:schemeClr val="accent1">
+                <a:shade val="50000"/>
+              </a:schemeClr>
+            </a:lnRef>
+            <a:fillRef idx="1">
+              <a:schemeClr val="accent1"/>
+            </a:fillRef>
+            <a:effectRef idx="0">
+              <a:schemeClr val="accent1"/>
+            </a:effectRef>
+            <a:fontRef idx="minor">
+              <a:schemeClr val="lt1"/>
+            </a:fontRef>
+          </p:style>
+          <p:txBody>
+            <a:bodyPr rtlCol="0" anchor="ctr"/>
+            <a:lstStyle/>
+            <a:p>
+              <a:pPr algn="ctr"/>
+              <a:endParaRPr lang="zh-CN" altLang="en-US"/>
+            </a:p>
+          </p:txBody>
+        </p:sp>
+        <p:pic>
+          <p:nvPicPr>
+            <p:cNvPr id="13316" name="Picture 4"/>
+            <p:cNvPicPr>
+              <a:picLocks noChangeAspect="1" noChangeArrowheads="1"/>
+            </p:cNvPicPr>
+            <p:nvPr/>
+          </p:nvPicPr>
+          <p:blipFill>
+            <a:blip r:embed="rId3">
+              <a:extLst>
+                <a:ext uri="{28A0092B-C50C-407E-A947-70E740481C1C}">
+                  <a14:useLocalDpi xmlns:a14="http://schemas.microsoft.com/office/drawing/2010/main" val="0"/>
+                </a:ext>
+              </a:extLst>
+            </a:blip>
+            <a:srcRect/>
+            <a:stretch>
+              <a:fillRect/>
+            </a:stretch>
+          </p:blipFill>
+          <p:spPr bwMode="auto">
+            <a:xfrm>
+              <a:off x="1596267" y="2416981"/>
+              <a:ext cx="2934520" cy="1440160"/>
+            </a:xfrm>
+            <a:prstGeom prst="rect">
+              <a:avLst/>
+            </a:prstGeom>
+            <a:noFill/>
+            <a:ln>
+              <a:noFill/>
+            </a:ln>
+            <a:extLst>
+              <a:ext uri="{909E8E84-426E-40DD-AFC4-6F175D3DCCD1}">
+                <a14:hiddenFill xmlns:a14="http://schemas.microsoft.com/office/drawing/2010/main">
+                  <a:solidFill>
+                    <a:schemeClr val="accent1"/>
+                  </a:solidFill>
+                </a14:hiddenFill>
+              </a:ext>
+              <a:ext uri="{91240B29-F687-4F45-9708-019B960494DF}">
+                <a14:hiddenLine xmlns:a14="http://schemas.microsoft.com/office/drawing/2010/main" w="9525">
+                  <a:solidFill>
+                    <a:schemeClr val="tx1"/>
+                  </a:solidFill>
+                  <a:miter lim="800000"/>
+                  <a:headEnd/>
+                  <a:tailEnd/>
+                </a14:hiddenLine>
+              </a:ext>
+            </a:extLst>
+          </p:spPr>
+        </p:pic>
+      </p:grpSp>
+      <p:pic>
+        <p:nvPicPr>
+          <p:cNvPr id="6" name="Picture 2">
+            <a:extLst>
+              <a:ext uri="{FF2B5EF4-FFF2-40B4-BE49-F238E27FC236}">
+                <a16:creationId xmlns:a16="http://schemas.microsoft.com/office/drawing/2014/main" id="{C28D8E17-C4B5-4201-B133-B94B2F086260}"/>
+              </a:ext>
+            </a:extLst>
+          </p:cNvPr>
           <p:cNvPicPr>
             <a:picLocks noChangeAspect="1" noChangeArrowheads="1"/>
           </p:cNvPicPr>
           <p:nvPr/>
         </p:nvPicPr>
         <p:blipFill>
-          <a:blip r:embed="rId2">
+          <a:blip r:embed="rId4">
             <a:extLst>
               <a:ext uri="{28A0092B-C50C-407E-A947-70E740481C1C}">
                 <a14:useLocalDpi xmlns:a14="http://schemas.microsoft.com/office/drawing/2010/main" val="0"/>
@@ -7668,8 +7901,8 @@
         </p:blipFill>
         <p:spPr bwMode="auto">
           <a:xfrm>
-            <a:off x="899592" y="-331613"/>
-            <a:ext cx="7262391" cy="5475113"/>
+            <a:off x="626516" y="807429"/>
+            <a:ext cx="3022697" cy="3528642"/>
           </a:xfrm>
           <a:prstGeom prst="rect">
             <a:avLst/>
@@ -7699,60 +7932,74 @@
           </a:extLst>
         </p:spPr>
       </p:pic>
-      <p:sp>
-        <p:nvSpPr>
-          <p:cNvPr id="2" name="矩形 1"/>
-          <p:cNvSpPr/>
-          <p:nvPr/>
-        </p:nvSpPr>
-        <p:spPr>
-          <a:xfrm>
-            <a:off x="1691680" y="1563638"/>
-            <a:ext cx="3456384" cy="2592288"/>
-          </a:xfrm>
-          <a:prstGeom prst="rect">
-            <a:avLst/>
-          </a:prstGeom>
-          <a:solidFill>
-            <a:schemeClr val="bg1"/>
-          </a:solidFill>
-          <a:ln>
-            <a:solidFill>
-              <a:schemeClr val="bg1"/>
-            </a:solidFill>
-          </a:ln>
-        </p:spPr>
-        <p:style>
-          <a:lnRef idx="2">
-            <a:schemeClr val="accent1">
-              <a:shade val="50000"/>
-            </a:schemeClr>
-          </a:lnRef>
-          <a:fillRef idx="1">
-            <a:schemeClr val="accent1"/>
-          </a:fillRef>
-          <a:effectRef idx="0">
-            <a:schemeClr val="accent1"/>
-          </a:effectRef>
-          <a:fontRef idx="minor">
-            <a:schemeClr val="lt1"/>
-          </a:fontRef>
-        </p:style>
-        <p:txBody>
-          <a:bodyPr rtlCol="0" anchor="ctr"/>
-          <a:lstStyle/>
-          <a:p>
-            <a:pPr algn="ctr"/>
-            <a:endParaRPr lang="zh-CN" altLang="en-US"/>
-          </a:p>
-        </p:txBody>
-      </p:sp>
+    </p:spTree>
+    <p:extLst>
+      <p:ext uri="{BB962C8B-B14F-4D97-AF65-F5344CB8AC3E}">
+        <p14:creationId xmlns:p14="http://schemas.microsoft.com/office/powerpoint/2010/main" val="1042404713"/>
+      </p:ext>
+    </p:extLst>
+  </p:cSld>
+  <p:clrMapOvr>
+    <a:masterClrMapping/>
+  </p:clrMapOvr>
+</p:sld>
+</file>
+
+<file path=ppt/slides/slide33.xml><?xml version="1.0" encoding="utf-8"?>
+<p:sld xmlns:a="http://schemas.openxmlformats.org/drawingml/2006/main" xmlns:r="http://schemas.openxmlformats.org/officeDocument/2006/relationships" xmlns:p="http://schemas.openxmlformats.org/presentationml/2006/main">
+  <p:cSld>
+    <p:spTree>
+      <p:nvGrpSpPr>
+        <p:cNvPr id="1" name=""/>
+        <p:cNvGrpSpPr/>
+        <p:nvPr/>
+      </p:nvGrpSpPr>
+      <p:grpSpPr>
+        <a:xfrm>
+          <a:off x="0" y="0"/>
+          <a:ext cx="0" cy="0"/>
+          <a:chOff x="0" y="0"/>
+          <a:chExt cx="0" cy="0"/>
+        </a:xfrm>
+      </p:grpSpPr>
       <p:pic>
         <p:nvPicPr>
-          <p:cNvPr id="13316" name="Picture 4"/>
-          <p:cNvPicPr>
-            <a:picLocks noChangeAspect="1" noChangeArrowheads="1"/>
-          </p:cNvPicPr>
+          <p:cNvPr id="2" name="图片 1">
+            <a:extLst>
+              <a:ext uri="{FF2B5EF4-FFF2-40B4-BE49-F238E27FC236}">
+                <a16:creationId xmlns:a16="http://schemas.microsoft.com/office/drawing/2014/main" id="{B480CEDE-DF6B-427E-B1B8-B8921E2C65E4}"/>
+              </a:ext>
+            </a:extLst>
+          </p:cNvPr>
+          <p:cNvPicPr/>
+          <p:nvPr/>
+        </p:nvPicPr>
+        <p:blipFill>
+          <a:blip r:embed="rId2"/>
+          <a:stretch>
+            <a:fillRect/>
+          </a:stretch>
+        </p:blipFill>
+        <p:spPr>
+          <a:xfrm>
+            <a:off x="539552" y="612646"/>
+            <a:ext cx="5272994" cy="3975328"/>
+          </a:xfrm>
+          <a:prstGeom prst="rect">
+            <a:avLst/>
+          </a:prstGeom>
+        </p:spPr>
+      </p:pic>
+      <p:pic>
+        <p:nvPicPr>
+          <p:cNvPr id="3" name="图片 2" descr="C:\Users\zhenyong\Documents\GitHub\Dissertation\图片\数据游标.png">
+            <a:extLst>
+              <a:ext uri="{FF2B5EF4-FFF2-40B4-BE49-F238E27FC236}">
+                <a16:creationId xmlns:a16="http://schemas.microsoft.com/office/drawing/2014/main" id="{5357DF32-DAF4-4135-95E8-D28F9C84F17D}"/>
+              </a:ext>
+            </a:extLst>
+          </p:cNvPr>
+          <p:cNvPicPr/>
           <p:nvPr/>
         </p:nvPicPr>
         <p:blipFill>
@@ -7770,8 +8017,8 @@
         </p:blipFill>
         <p:spPr bwMode="auto">
           <a:xfrm>
-            <a:off x="1596267" y="2416981"/>
-            <a:ext cx="2934520" cy="1440160"/>
+            <a:off x="3040944" y="610330"/>
+            <a:ext cx="5272994" cy="3977643"/>
           </a:xfrm>
           <a:prstGeom prst="rect">
             <a:avLst/>
@@ -7780,31 +8027,102 @@
           <a:ln>
             <a:noFill/>
           </a:ln>
-          <a:extLst>
-            <a:ext uri="{909E8E84-426E-40DD-AFC4-6F175D3DCCD1}">
-              <a14:hiddenFill xmlns:a14="http://schemas.microsoft.com/office/drawing/2010/main">
-                <a:solidFill>
-                  <a:schemeClr val="accent1"/>
-                </a:solidFill>
-              </a14:hiddenFill>
-            </a:ext>
-            <a:ext uri="{91240B29-F687-4F45-9708-019B960494DF}">
-              <a14:hiddenLine xmlns:a14="http://schemas.microsoft.com/office/drawing/2010/main" w="9525">
-                <a:solidFill>
-                  <a:schemeClr val="tx1"/>
-                </a:solidFill>
-                <a:miter lim="800000"/>
-                <a:headEnd/>
-                <a:tailEnd/>
-              </a14:hiddenLine>
-            </a:ext>
-          </a:extLst>
         </p:spPr>
       </p:pic>
     </p:spTree>
     <p:extLst>
       <p:ext uri="{BB962C8B-B14F-4D97-AF65-F5344CB8AC3E}">
-        <p14:creationId xmlns:p14="http://schemas.microsoft.com/office/powerpoint/2010/main" val="1042404713"/>
+        <p14:creationId xmlns:p14="http://schemas.microsoft.com/office/powerpoint/2010/main" val="1747532558"/>
+      </p:ext>
+    </p:extLst>
+  </p:cSld>
+  <p:clrMapOvr>
+    <a:masterClrMapping/>
+  </p:clrMapOvr>
+</p:sld>
+</file>
+
+<file path=ppt/slides/slide34.xml><?xml version="1.0" encoding="utf-8"?>
+<p:sld xmlns:a="http://schemas.openxmlformats.org/drawingml/2006/main" xmlns:r="http://schemas.openxmlformats.org/officeDocument/2006/relationships" xmlns:p="http://schemas.openxmlformats.org/presentationml/2006/main">
+  <p:cSld>
+    <p:spTree>
+      <p:nvGrpSpPr>
+        <p:cNvPr id="1" name=""/>
+        <p:cNvGrpSpPr/>
+        <p:nvPr/>
+      </p:nvGrpSpPr>
+      <p:grpSpPr>
+        <a:xfrm>
+          <a:off x="0" y="0"/>
+          <a:ext cx="0" cy="0"/>
+          <a:chOff x="0" y="0"/>
+          <a:chExt cx="0" cy="0"/>
+        </a:xfrm>
+      </p:grpSpPr>
+      <p:pic>
+        <p:nvPicPr>
+          <p:cNvPr id="3" name="图片 2">
+            <a:extLst>
+              <a:ext uri="{FF2B5EF4-FFF2-40B4-BE49-F238E27FC236}">
+                <a16:creationId xmlns:a16="http://schemas.microsoft.com/office/drawing/2014/main" id="{2A76EABC-23D3-4768-90AF-D0712B00D255}"/>
+              </a:ext>
+            </a:extLst>
+          </p:cNvPr>
+          <p:cNvPicPr>
+            <a:picLocks noChangeAspect="1"/>
+          </p:cNvPicPr>
+          <p:nvPr/>
+        </p:nvPicPr>
+        <p:blipFill>
+          <a:blip r:embed="rId2"/>
+          <a:stretch>
+            <a:fillRect/>
+          </a:stretch>
+        </p:blipFill>
+        <p:spPr>
+          <a:xfrm>
+            <a:off x="1187624" y="1131590"/>
+            <a:ext cx="3536108" cy="3240360"/>
+          </a:xfrm>
+          <a:prstGeom prst="rect">
+            <a:avLst/>
+          </a:prstGeom>
+        </p:spPr>
+      </p:pic>
+      <p:pic>
+        <p:nvPicPr>
+          <p:cNvPr id="5" name="图片 4">
+            <a:extLst>
+              <a:ext uri="{FF2B5EF4-FFF2-40B4-BE49-F238E27FC236}">
+                <a16:creationId xmlns:a16="http://schemas.microsoft.com/office/drawing/2014/main" id="{1235020B-8FC5-49DB-859F-DE0A1854F8D1}"/>
+              </a:ext>
+            </a:extLst>
+          </p:cNvPr>
+          <p:cNvPicPr>
+            <a:picLocks noChangeAspect="1"/>
+          </p:cNvPicPr>
+          <p:nvPr/>
+        </p:nvPicPr>
+        <p:blipFill>
+          <a:blip r:embed="rId3"/>
+          <a:stretch>
+            <a:fillRect/>
+          </a:stretch>
+        </p:blipFill>
+        <p:spPr>
+          <a:xfrm>
+            <a:off x="4939755" y="1131590"/>
+            <a:ext cx="3579311" cy="3240360"/>
+          </a:xfrm>
+          <a:prstGeom prst="rect">
+            <a:avLst/>
+          </a:prstGeom>
+        </p:spPr>
+      </p:pic>
+    </p:spTree>
+    <p:extLst>
+      <p:ext uri="{BB962C8B-B14F-4D97-AF65-F5344CB8AC3E}">
+        <p14:creationId xmlns:p14="http://schemas.microsoft.com/office/powerpoint/2010/main" val="618920029"/>
       </p:ext>
     </p:extLst>
   </p:cSld>
@@ -8002,10 +8320,9 @@
           <a:lstStyle/>
           <a:p>
             <a:r>
-              <a:rPr lang="zh-CN" altLang="en-US" dirty="0" smtClean="0"/>
+              <a:rPr lang="zh-CN" altLang="en-US" dirty="0"/>
               <a:t>经度</a:t>
             </a:r>
-            <a:endParaRPr lang="zh-CN" altLang="en-US" dirty="0"/>
           </a:p>
         </p:txBody>
       </p:sp>
@@ -8032,10 +8349,9 @@
           <a:lstStyle/>
           <a:p>
             <a:r>
-              <a:rPr lang="zh-CN" altLang="en-US" dirty="0" smtClean="0"/>
+              <a:rPr lang="zh-CN" altLang="en-US" dirty="0"/>
               <a:t>纬度</a:t>
             </a:r>
-            <a:endParaRPr lang="zh-CN" altLang="en-US" dirty="0"/>
           </a:p>
         </p:txBody>
       </p:sp>
@@ -8144,10 +8460,9 @@
           <a:lstStyle/>
           <a:p>
             <a:r>
-              <a:rPr lang="zh-CN" altLang="en-US" dirty="0" smtClean="0"/>
+              <a:rPr lang="zh-CN" altLang="en-US" dirty="0"/>
               <a:t>经度</a:t>
             </a:r>
-            <a:endParaRPr lang="zh-CN" altLang="en-US" dirty="0"/>
           </a:p>
         </p:txBody>
       </p:sp>
@@ -8174,10 +8489,9 @@
           <a:lstStyle/>
           <a:p>
             <a:r>
-              <a:rPr lang="zh-CN" altLang="en-US" dirty="0" smtClean="0"/>
+              <a:rPr lang="zh-CN" altLang="en-US" dirty="0"/>
               <a:t>纬度</a:t>
             </a:r>
-            <a:endParaRPr lang="zh-CN" altLang="en-US" dirty="0"/>
           </a:p>
         </p:txBody>
       </p:sp>
@@ -8975,10 +9289,9 @@
           <a:lstStyle/>
           <a:p>
             <a:r>
-              <a:rPr lang="zh-CN" altLang="en-US" sz="1400" dirty="0" smtClean="0"/>
+              <a:rPr lang="zh-CN" altLang="en-US" sz="1400" dirty="0"/>
               <a:t>月份</a:t>
             </a:r>
-            <a:endParaRPr lang="zh-CN" altLang="en-US" sz="1400" dirty="0"/>
           </a:p>
         </p:txBody>
       </p:sp>
@@ -9005,18 +9318,17 @@
           <a:lstStyle/>
           <a:p>
             <a:r>
-              <a:rPr lang="zh-CN" altLang="en-US" sz="1400" dirty="0" smtClean="0"/>
+              <a:rPr lang="zh-CN" altLang="en-US" sz="1400" dirty="0"/>
               <a:t>时间</a:t>
             </a:r>
             <a:r>
-              <a:rPr lang="en-US" altLang="zh-CN" sz="1400" dirty="0" smtClean="0"/>
+              <a:rPr lang="en-US" altLang="zh-CN" sz="1400" dirty="0"/>
               <a:t>/</a:t>
             </a:r>
             <a:r>
-              <a:rPr lang="zh-CN" altLang="en-US" sz="1400" dirty="0" smtClean="0"/>
+              <a:rPr lang="zh-CN" altLang="en-US" sz="1400" dirty="0"/>
               <a:t>天</a:t>
             </a:r>
-            <a:endParaRPr lang="zh-CN" altLang="en-US" sz="1400" dirty="0"/>
           </a:p>
         </p:txBody>
       </p:sp>
@@ -9091,18 +9403,17 @@
           <a:lstStyle/>
           <a:p>
             <a:r>
-              <a:rPr lang="zh-CN" altLang="en-US" dirty="0" smtClean="0"/>
+              <a:rPr lang="zh-CN" altLang="en-US" dirty="0"/>
               <a:t>产量</a:t>
             </a:r>
             <a:r>
-              <a:rPr lang="en-US" altLang="zh-CN" dirty="0" smtClean="0"/>
+              <a:rPr lang="en-US" altLang="zh-CN" dirty="0"/>
               <a:t>/</a:t>
             </a:r>
             <a:r>
-              <a:rPr lang="zh-CN" altLang="en-US" dirty="0" smtClean="0"/>
+              <a:rPr lang="zh-CN" altLang="en-US" dirty="0"/>
               <a:t>吨</a:t>
             </a:r>
-            <a:endParaRPr lang="zh-CN" altLang="en-US" dirty="0"/>
           </a:p>
         </p:txBody>
       </p:sp>
@@ -9259,10 +9570,9 @@
           <a:lstStyle/>
           <a:p>
             <a:r>
-              <a:rPr lang="zh-CN" altLang="en-US" sz="1400" dirty="0" smtClean="0"/>
+              <a:rPr lang="zh-CN" altLang="en-US" sz="1400" dirty="0"/>
               <a:t>月份</a:t>
             </a:r>
-            <a:endParaRPr lang="zh-CN" altLang="en-US" sz="1400" dirty="0"/>
           </a:p>
         </p:txBody>
       </p:sp>
@@ -9289,10 +9599,9 @@
           <a:lstStyle/>
           <a:p>
             <a:r>
-              <a:rPr lang="zh-CN" altLang="en-US" sz="1400" dirty="0" smtClean="0"/>
+              <a:rPr lang="zh-CN" altLang="en-US" sz="1400" dirty="0"/>
               <a:t>距离（千米）</a:t>
             </a:r>
-            <a:endParaRPr lang="zh-CN" altLang="en-US" sz="1400" dirty="0"/>
           </a:p>
         </p:txBody>
       </p:sp>
@@ -9367,18 +9676,17 @@
           <a:lstStyle/>
           <a:p>
             <a:r>
-              <a:rPr lang="zh-CN" altLang="en-US" dirty="0" smtClean="0"/>
+              <a:rPr lang="zh-CN" altLang="en-US" dirty="0"/>
               <a:t>产量</a:t>
             </a:r>
             <a:r>
-              <a:rPr lang="en-US" altLang="zh-CN" dirty="0" smtClean="0"/>
+              <a:rPr lang="en-US" altLang="zh-CN" dirty="0"/>
               <a:t>/</a:t>
             </a:r>
             <a:r>
-              <a:rPr lang="zh-CN" altLang="en-US" dirty="0" smtClean="0"/>
+              <a:rPr lang="zh-CN" altLang="en-US" dirty="0"/>
               <a:t>吨</a:t>
             </a:r>
-            <a:endParaRPr lang="zh-CN" altLang="en-US" dirty="0"/>
           </a:p>
         </p:txBody>
       </p:sp>

--- a/图片/新建 Microsoft PowerPoint 演示文稿.pptx
+++ b/图片/新建 Microsoft PowerPoint 演示文稿.pptx
@@ -39,6 +39,8 @@
     <p:sldId id="286" r:id="rId33"/>
     <p:sldId id="288" r:id="rId34"/>
     <p:sldId id="289" r:id="rId35"/>
+    <p:sldId id="290" r:id="rId36"/>
+    <p:sldId id="291" r:id="rId37"/>
   </p:sldIdLst>
   <p:sldSz cx="9144000" cy="5143500" type="screen16x9"/>
   <p:notesSz cx="6858000" cy="9144000"/>
@@ -139,7 +141,7 @@
   </p:defaultTextStyle>
   <p:extLst>
     <p:ext uri="{EFAFB233-063F-42B5-8137-9DF3F51BA10A}">
-      <p15:sldGuideLst xmlns:p15="http://schemas.microsoft.com/office/powerpoint/2012/main">
+      <p15:sldGuideLst xmlns="" xmlns:p15="http://schemas.microsoft.com/office/powerpoint/2012/main">
         <p15:guide id="1" orient="horz" pos="1620">
           <p15:clr>
             <a:srgbClr val="A4A3A4"/>
@@ -335,7 +337,7 @@
           <a:p>
             <a:fld id="{530820CF-B880-4189-942D-D702A7CBA730}" type="datetimeFigureOut">
               <a:rPr lang="zh-CN" altLang="en-US" smtClean="0"/>
-              <a:t>2018/3/18</a:t>
+              <a:t>2018-03-19</a:t>
             </a:fld>
             <a:endParaRPr lang="zh-CN" altLang="en-US"/>
           </a:p>
@@ -498,7 +500,7 @@
           <a:p>
             <a:fld id="{530820CF-B880-4189-942D-D702A7CBA730}" type="datetimeFigureOut">
               <a:rPr lang="zh-CN" altLang="en-US" smtClean="0"/>
-              <a:t>2018/3/18</a:t>
+              <a:t>2018-03-19</a:t>
             </a:fld>
             <a:endParaRPr lang="zh-CN" altLang="en-US"/>
           </a:p>
@@ -671,7 +673,7 @@
           <a:p>
             <a:fld id="{530820CF-B880-4189-942D-D702A7CBA730}" type="datetimeFigureOut">
               <a:rPr lang="zh-CN" altLang="en-US" smtClean="0"/>
-              <a:t>2018/3/18</a:t>
+              <a:t>2018-03-19</a:t>
             </a:fld>
             <a:endParaRPr lang="zh-CN" altLang="en-US"/>
           </a:p>
@@ -834,7 +836,7 @@
           <a:p>
             <a:fld id="{530820CF-B880-4189-942D-D702A7CBA730}" type="datetimeFigureOut">
               <a:rPr lang="zh-CN" altLang="en-US" smtClean="0"/>
-              <a:t>2018/3/18</a:t>
+              <a:t>2018-03-19</a:t>
             </a:fld>
             <a:endParaRPr lang="zh-CN" altLang="en-US"/>
           </a:p>
@@ -1074,7 +1076,7 @@
           <a:p>
             <a:fld id="{530820CF-B880-4189-942D-D702A7CBA730}" type="datetimeFigureOut">
               <a:rPr lang="zh-CN" altLang="en-US" smtClean="0"/>
-              <a:t>2018/3/18</a:t>
+              <a:t>2018-03-19</a:t>
             </a:fld>
             <a:endParaRPr lang="zh-CN" altLang="en-US"/>
           </a:p>
@@ -1354,7 +1356,7 @@
           <a:p>
             <a:fld id="{530820CF-B880-4189-942D-D702A7CBA730}" type="datetimeFigureOut">
               <a:rPr lang="zh-CN" altLang="en-US" smtClean="0"/>
-              <a:t>2018/3/18</a:t>
+              <a:t>2018-03-19</a:t>
             </a:fld>
             <a:endParaRPr lang="zh-CN" altLang="en-US"/>
           </a:p>
@@ -1768,7 +1770,7 @@
           <a:p>
             <a:fld id="{530820CF-B880-4189-942D-D702A7CBA730}" type="datetimeFigureOut">
               <a:rPr lang="zh-CN" altLang="en-US" smtClean="0"/>
-              <a:t>2018/3/18</a:t>
+              <a:t>2018-03-19</a:t>
             </a:fld>
             <a:endParaRPr lang="zh-CN" altLang="en-US"/>
           </a:p>
@@ -1880,7 +1882,7 @@
           <a:p>
             <a:fld id="{530820CF-B880-4189-942D-D702A7CBA730}" type="datetimeFigureOut">
               <a:rPr lang="zh-CN" altLang="en-US" smtClean="0"/>
-              <a:t>2018/3/18</a:t>
+              <a:t>2018-03-19</a:t>
             </a:fld>
             <a:endParaRPr lang="zh-CN" altLang="en-US"/>
           </a:p>
@@ -1970,7 +1972,7 @@
           <a:p>
             <a:fld id="{530820CF-B880-4189-942D-D702A7CBA730}" type="datetimeFigureOut">
               <a:rPr lang="zh-CN" altLang="en-US" smtClean="0"/>
-              <a:t>2018/3/18</a:t>
+              <a:t>2018-03-19</a:t>
             </a:fld>
             <a:endParaRPr lang="zh-CN" altLang="en-US"/>
           </a:p>
@@ -2240,7 +2242,7 @@
           <a:p>
             <a:fld id="{530820CF-B880-4189-942D-D702A7CBA730}" type="datetimeFigureOut">
               <a:rPr lang="zh-CN" altLang="en-US" smtClean="0"/>
-              <a:t>2018/3/18</a:t>
+              <a:t>2018-03-19</a:t>
             </a:fld>
             <a:endParaRPr lang="zh-CN" altLang="en-US"/>
           </a:p>
@@ -2487,7 +2489,7 @@
           <a:p>
             <a:fld id="{530820CF-B880-4189-942D-D702A7CBA730}" type="datetimeFigureOut">
               <a:rPr lang="zh-CN" altLang="en-US" smtClean="0"/>
-              <a:t>2018/3/18</a:t>
+              <a:t>2018-03-19</a:t>
             </a:fld>
             <a:endParaRPr lang="zh-CN" altLang="en-US"/>
           </a:p>
@@ -2693,7 +2695,7 @@
           <a:p>
             <a:fld id="{530820CF-B880-4189-942D-D702A7CBA730}" type="datetimeFigureOut">
               <a:rPr lang="zh-CN" altLang="en-US" smtClean="0"/>
-              <a:t>2018/3/18</a:t>
+              <a:t>2018-03-19</a:t>
             </a:fld>
             <a:endParaRPr lang="zh-CN" altLang="en-US"/>
           </a:p>
@@ -7554,7 +7556,7 @@
           <p:cNvPr id="2" name="图片 1">
             <a:extLst>
               <a:ext uri="{FF2B5EF4-FFF2-40B4-BE49-F238E27FC236}">
-                <a16:creationId xmlns:a16="http://schemas.microsoft.com/office/drawing/2014/main" id="{D3653F37-02A7-48BC-8341-AAA0159F5B8E}"/>
+                <a16:creationId xmlns="" xmlns:a16="http://schemas.microsoft.com/office/drawing/2014/main" id="{D3653F37-02A7-48BC-8341-AAA0159F5B8E}"/>
               </a:ext>
             </a:extLst>
           </p:cNvPr>
@@ -7582,7 +7584,7 @@
           <p:cNvPr id="3" name="图片 2">
             <a:extLst>
               <a:ext uri="{FF2B5EF4-FFF2-40B4-BE49-F238E27FC236}">
-                <a16:creationId xmlns:a16="http://schemas.microsoft.com/office/drawing/2014/main" id="{D491CB99-BB27-4793-B644-2E8AF0120A32}"/>
+                <a16:creationId xmlns="" xmlns:a16="http://schemas.microsoft.com/office/drawing/2014/main" id="{D491CB99-BB27-4793-B644-2E8AF0120A32}"/>
               </a:ext>
             </a:extLst>
           </p:cNvPr>
@@ -7700,7 +7702,7 @@
           <p:cNvPr id="3" name="组合 2">
             <a:extLst>
               <a:ext uri="{FF2B5EF4-FFF2-40B4-BE49-F238E27FC236}">
-                <a16:creationId xmlns:a16="http://schemas.microsoft.com/office/drawing/2014/main" id="{E6621AD2-576A-45B4-AF26-F02350FDCDCC}"/>
+                <a16:creationId xmlns="" xmlns:a16="http://schemas.microsoft.com/office/drawing/2014/main" id="{E6621AD2-576A-45B4-AF26-F02350FDCDCC}"/>
               </a:ext>
             </a:extLst>
           </p:cNvPr>
@@ -7709,7 +7711,7 @@
         </p:nvGrpSpPr>
         <p:grpSpPr>
           <a:xfrm>
-            <a:off x="3779912" y="807429"/>
+            <a:off x="7812360" y="3922318"/>
             <a:ext cx="4680520" cy="3528642"/>
             <a:chOff x="940804" y="-298174"/>
             <a:chExt cx="7262391" cy="5475113"/>
@@ -7874,13 +7876,7 @@
       </p:grpSp>
       <p:pic>
         <p:nvPicPr>
-          <p:cNvPr id="6" name="Picture 2">
-            <a:extLst>
-              <a:ext uri="{FF2B5EF4-FFF2-40B4-BE49-F238E27FC236}">
-                <a16:creationId xmlns:a16="http://schemas.microsoft.com/office/drawing/2014/main" id="{C28D8E17-C4B5-4201-B133-B94B2F086260}"/>
-              </a:ext>
-            </a:extLst>
-          </p:cNvPr>
+          <p:cNvPr id="1027" name="Picture 3"/>
           <p:cNvPicPr>
             <a:picLocks noChangeAspect="1" noChangeArrowheads="1"/>
           </p:cNvPicPr>
@@ -7901,8 +7897,8 @@
         </p:blipFill>
         <p:spPr bwMode="auto">
           <a:xfrm>
-            <a:off x="626516" y="807429"/>
-            <a:ext cx="3022697" cy="3528642"/>
+            <a:off x="2267744" y="1275606"/>
+            <a:ext cx="1908092" cy="2228849"/>
           </a:xfrm>
           <a:prstGeom prst="rect">
             <a:avLst/>
@@ -7930,6 +7926,28 @@
               </a14:hiddenLine>
             </a:ext>
           </a:extLst>
+        </p:spPr>
+      </p:pic>
+      <p:pic>
+        <p:nvPicPr>
+          <p:cNvPr id="9" name="图片 8"/>
+          <p:cNvPicPr/>
+          <p:nvPr/>
+        </p:nvPicPr>
+        <p:blipFill>
+          <a:blip r:embed="rId5"/>
+          <a:stretch>
+            <a:fillRect/>
+          </a:stretch>
+        </p:blipFill>
+        <p:spPr>
+          <a:xfrm>
+            <a:off x="4716016" y="1275606"/>
+            <a:ext cx="2825115" cy="2228850"/>
+          </a:xfrm>
+          <a:prstGeom prst="rect">
+            <a:avLst/>
+          </a:prstGeom>
         </p:spPr>
       </p:pic>
     </p:spTree>
@@ -7967,7 +7985,7 @@
           <p:cNvPr id="2" name="图片 1">
             <a:extLst>
               <a:ext uri="{FF2B5EF4-FFF2-40B4-BE49-F238E27FC236}">
-                <a16:creationId xmlns:a16="http://schemas.microsoft.com/office/drawing/2014/main" id="{B480CEDE-DF6B-427E-B1B8-B8921E2C65E4}"/>
+                <a16:creationId xmlns="" xmlns:a16="http://schemas.microsoft.com/office/drawing/2014/main" id="{B480CEDE-DF6B-427E-B1B8-B8921E2C65E4}"/>
               </a:ext>
             </a:extLst>
           </p:cNvPr>
@@ -7995,7 +8013,7 @@
           <p:cNvPr id="3" name="图片 2" descr="C:\Users\zhenyong\Documents\GitHub\Dissertation\图片\数据游标.png">
             <a:extLst>
               <a:ext uri="{FF2B5EF4-FFF2-40B4-BE49-F238E27FC236}">
-                <a16:creationId xmlns:a16="http://schemas.microsoft.com/office/drawing/2014/main" id="{5357DF32-DAF4-4135-95E8-D28F9C84F17D}"/>
+                <a16:creationId xmlns="" xmlns:a16="http://schemas.microsoft.com/office/drawing/2014/main" id="{5357DF32-DAF4-4135-95E8-D28F9C84F17D}"/>
               </a:ext>
             </a:extLst>
           </p:cNvPr>
@@ -8064,7 +8082,7 @@
           <p:cNvPr id="3" name="图片 2">
             <a:extLst>
               <a:ext uri="{FF2B5EF4-FFF2-40B4-BE49-F238E27FC236}">
-                <a16:creationId xmlns:a16="http://schemas.microsoft.com/office/drawing/2014/main" id="{2A76EABC-23D3-4768-90AF-D0712B00D255}"/>
+                <a16:creationId xmlns="" xmlns:a16="http://schemas.microsoft.com/office/drawing/2014/main" id="{2A76EABC-23D3-4768-90AF-D0712B00D255}"/>
               </a:ext>
             </a:extLst>
           </p:cNvPr>
@@ -8094,7 +8112,7 @@
           <p:cNvPr id="5" name="图片 4">
             <a:extLst>
               <a:ext uri="{FF2B5EF4-FFF2-40B4-BE49-F238E27FC236}">
-                <a16:creationId xmlns:a16="http://schemas.microsoft.com/office/drawing/2014/main" id="{1235020B-8FC5-49DB-859F-DE0A1854F8D1}"/>
+                <a16:creationId xmlns="" xmlns:a16="http://schemas.microsoft.com/office/drawing/2014/main" id="{1235020B-8FC5-49DB-859F-DE0A1854F8D1}"/>
               </a:ext>
             </a:extLst>
           </p:cNvPr>
@@ -8123,6 +8141,387 @@
     <p:extLst>
       <p:ext uri="{BB962C8B-B14F-4D97-AF65-F5344CB8AC3E}">
         <p14:creationId xmlns:p14="http://schemas.microsoft.com/office/powerpoint/2010/main" val="618920029"/>
+      </p:ext>
+    </p:extLst>
+  </p:cSld>
+  <p:clrMapOvr>
+    <a:masterClrMapping/>
+  </p:clrMapOvr>
+</p:sld>
+</file>
+
+<file path=ppt/slides/slide35.xml><?xml version="1.0" encoding="utf-8"?>
+<p:sld xmlns:a="http://schemas.openxmlformats.org/drawingml/2006/main" xmlns:r="http://schemas.openxmlformats.org/officeDocument/2006/relationships" xmlns:p="http://schemas.openxmlformats.org/presentationml/2006/main">
+  <p:cSld>
+    <p:spTree>
+      <p:nvGrpSpPr>
+        <p:cNvPr id="1" name=""/>
+        <p:cNvGrpSpPr/>
+        <p:nvPr/>
+      </p:nvGrpSpPr>
+      <p:grpSpPr>
+        <a:xfrm>
+          <a:off x="0" y="0"/>
+          <a:ext cx="0" cy="0"/>
+          <a:chOff x="0" y="0"/>
+          <a:chExt cx="0" cy="0"/>
+        </a:xfrm>
+      </p:grpSpPr>
+      <p:pic>
+        <p:nvPicPr>
+          <p:cNvPr id="2" name="图片 1"/>
+          <p:cNvPicPr/>
+          <p:nvPr/>
+        </p:nvPicPr>
+        <p:blipFill rotWithShape="1">
+          <a:blip r:embed="rId2"/>
+          <a:srcRect t="1216" b="368"/>
+          <a:stretch/>
+        </p:blipFill>
+        <p:spPr bwMode="auto">
+          <a:xfrm>
+            <a:off x="827585" y="1131591"/>
+            <a:ext cx="3672408" cy="2192095"/>
+          </a:xfrm>
+          <a:prstGeom prst="rect">
+            <a:avLst/>
+          </a:prstGeom>
+          <a:ln>
+            <a:noFill/>
+          </a:ln>
+          <a:extLst>
+            <a:ext uri="{53640926-AAD7-44D8-BBD7-CCE9431645EC}">
+              <a14:shadowObscured xmlns:a14="http://schemas.microsoft.com/office/drawing/2010/main"/>
+            </a:ext>
+          </a:extLst>
+        </p:spPr>
+      </p:pic>
+      <p:pic>
+        <p:nvPicPr>
+          <p:cNvPr id="3" name="图片 2" descr="C:\Users\zhenyong\Documents\GitHub\Dissertation\图片\2-6 港口分布.png"/>
+          <p:cNvPicPr/>
+          <p:nvPr/>
+        </p:nvPicPr>
+        <p:blipFill rotWithShape="1">
+          <a:blip r:embed="rId3">
+            <a:extLst>
+              <a:ext uri="{28A0092B-C50C-407E-A947-70E740481C1C}">
+                <a14:useLocalDpi xmlns:a14="http://schemas.microsoft.com/office/drawing/2010/main" val="0"/>
+              </a:ext>
+            </a:extLst>
+          </a:blip>
+          <a:srcRect l="1795" t="7917" r="8917"/>
+          <a:stretch/>
+        </p:blipFill>
+        <p:spPr bwMode="auto">
+          <a:xfrm>
+            <a:off x="4427984" y="1131591"/>
+            <a:ext cx="3011257" cy="2326407"/>
+          </a:xfrm>
+          <a:prstGeom prst="rect">
+            <a:avLst/>
+          </a:prstGeom>
+          <a:noFill/>
+          <a:ln>
+            <a:noFill/>
+          </a:ln>
+          <a:extLst>
+            <a:ext uri="{53640926-AAD7-44D8-BBD7-CCE9431645EC}">
+              <a14:shadowObscured xmlns:a14="http://schemas.microsoft.com/office/drawing/2010/main"/>
+            </a:ext>
+          </a:extLst>
+        </p:spPr>
+      </p:pic>
+    </p:spTree>
+    <p:extLst>
+      <p:ext uri="{BB962C8B-B14F-4D97-AF65-F5344CB8AC3E}">
+        <p14:creationId xmlns:p14="http://schemas.microsoft.com/office/powerpoint/2010/main" val="2209448575"/>
+      </p:ext>
+    </p:extLst>
+  </p:cSld>
+  <p:clrMapOvr>
+    <a:masterClrMapping/>
+  </p:clrMapOvr>
+</p:sld>
+</file>
+
+<file path=ppt/slides/slide36.xml><?xml version="1.0" encoding="utf-8"?>
+<p:sld xmlns:a="http://schemas.openxmlformats.org/drawingml/2006/main" xmlns:r="http://schemas.openxmlformats.org/officeDocument/2006/relationships" xmlns:p="http://schemas.openxmlformats.org/presentationml/2006/main">
+  <p:cSld>
+    <p:spTree>
+      <p:nvGrpSpPr>
+        <p:cNvPr id="1" name=""/>
+        <p:cNvGrpSpPr/>
+        <p:nvPr/>
+      </p:nvGrpSpPr>
+      <p:grpSpPr>
+        <a:xfrm>
+          <a:off x="0" y="0"/>
+          <a:ext cx="0" cy="0"/>
+          <a:chOff x="0" y="0"/>
+          <a:chExt cx="0" cy="0"/>
+        </a:xfrm>
+      </p:grpSpPr>
+      <p:pic>
+        <p:nvPicPr>
+          <p:cNvPr id="1031" name="Picture 7"/>
+          <p:cNvPicPr>
+            <a:picLocks noChangeAspect="1" noChangeArrowheads="1"/>
+          </p:cNvPicPr>
+          <p:nvPr/>
+        </p:nvPicPr>
+        <p:blipFill>
+          <a:blip r:embed="rId2">
+            <a:extLst>
+              <a:ext uri="{28A0092B-C50C-407E-A947-70E740481C1C}">
+                <a14:useLocalDpi xmlns:a14="http://schemas.microsoft.com/office/drawing/2010/main" val="0"/>
+              </a:ext>
+            </a:extLst>
+          </a:blip>
+          <a:srcRect/>
+          <a:stretch>
+            <a:fillRect/>
+          </a:stretch>
+        </p:blipFill>
+        <p:spPr bwMode="auto">
+          <a:xfrm>
+            <a:off x="179512" y="25152"/>
+            <a:ext cx="4267200" cy="2524125"/>
+          </a:xfrm>
+          <a:prstGeom prst="rect">
+            <a:avLst/>
+          </a:prstGeom>
+          <a:noFill/>
+          <a:ln>
+            <a:noFill/>
+          </a:ln>
+          <a:effectLst/>
+          <a:extLst>
+            <a:ext uri="{909E8E84-426E-40DD-AFC4-6F175D3DCCD1}">
+              <a14:hiddenFill xmlns:a14="http://schemas.microsoft.com/office/drawing/2010/main">
+                <a:solidFill>
+                  <a:schemeClr val="accent1"/>
+                </a:solidFill>
+              </a14:hiddenFill>
+            </a:ext>
+            <a:ext uri="{91240B29-F687-4F45-9708-019B960494DF}">
+              <a14:hiddenLine xmlns:a14="http://schemas.microsoft.com/office/drawing/2010/main" w="9525">
+                <a:solidFill>
+                  <a:schemeClr val="tx1"/>
+                </a:solidFill>
+                <a:miter lim="800000"/>
+                <a:headEnd/>
+                <a:tailEnd/>
+              </a14:hiddenLine>
+            </a:ext>
+            <a:ext uri="{AF507438-7753-43E0-B8FC-AC1667EBCBE1}">
+              <a14:hiddenEffects xmlns:a14="http://schemas.microsoft.com/office/drawing/2010/main">
+                <a:effectLst>
+                  <a:outerShdw dist="35921" dir="2700000" algn="ctr" rotWithShape="0">
+                    <a:schemeClr val="bg2"/>
+                  </a:outerShdw>
+                </a:effectLst>
+              </a14:hiddenEffects>
+            </a:ext>
+          </a:extLst>
+        </p:spPr>
+      </p:pic>
+      <p:pic>
+        <p:nvPicPr>
+          <p:cNvPr id="1032" name="Picture 8"/>
+          <p:cNvPicPr>
+            <a:picLocks noChangeAspect="1" noChangeArrowheads="1"/>
+          </p:cNvPicPr>
+          <p:nvPr/>
+        </p:nvPicPr>
+        <p:blipFill>
+          <a:blip r:embed="rId3">
+            <a:extLst>
+              <a:ext uri="{28A0092B-C50C-407E-A947-70E740481C1C}">
+                <a14:useLocalDpi xmlns:a14="http://schemas.microsoft.com/office/drawing/2010/main" val="0"/>
+              </a:ext>
+            </a:extLst>
+          </a:blip>
+          <a:srcRect/>
+          <a:stretch>
+            <a:fillRect/>
+          </a:stretch>
+        </p:blipFill>
+        <p:spPr bwMode="auto">
+          <a:xfrm>
+            <a:off x="3707904" y="195486"/>
+            <a:ext cx="4267200" cy="2524125"/>
+          </a:xfrm>
+          <a:prstGeom prst="rect">
+            <a:avLst/>
+          </a:prstGeom>
+          <a:noFill/>
+          <a:ln>
+            <a:noFill/>
+          </a:ln>
+          <a:effectLst/>
+          <a:extLst>
+            <a:ext uri="{909E8E84-426E-40DD-AFC4-6F175D3DCCD1}">
+              <a14:hiddenFill xmlns:a14="http://schemas.microsoft.com/office/drawing/2010/main">
+                <a:solidFill>
+                  <a:schemeClr val="accent1"/>
+                </a:solidFill>
+              </a14:hiddenFill>
+            </a:ext>
+            <a:ext uri="{91240B29-F687-4F45-9708-019B960494DF}">
+              <a14:hiddenLine xmlns:a14="http://schemas.microsoft.com/office/drawing/2010/main" w="9525">
+                <a:solidFill>
+                  <a:schemeClr val="tx1"/>
+                </a:solidFill>
+                <a:miter lim="800000"/>
+                <a:headEnd/>
+                <a:tailEnd/>
+              </a14:hiddenLine>
+            </a:ext>
+            <a:ext uri="{AF507438-7753-43E0-B8FC-AC1667EBCBE1}">
+              <a14:hiddenEffects xmlns:a14="http://schemas.microsoft.com/office/drawing/2010/main">
+                <a:effectLst>
+                  <a:outerShdw dist="35921" dir="2700000" algn="ctr" rotWithShape="0">
+                    <a:schemeClr val="bg2"/>
+                  </a:outerShdw>
+                </a:effectLst>
+              </a14:hiddenEffects>
+            </a:ext>
+          </a:extLst>
+        </p:spPr>
+      </p:pic>
+      <p:pic>
+        <p:nvPicPr>
+          <p:cNvPr id="1033" name="Picture 9"/>
+          <p:cNvPicPr>
+            <a:picLocks noChangeAspect="1" noChangeArrowheads="1"/>
+          </p:cNvPicPr>
+          <p:nvPr/>
+        </p:nvPicPr>
+        <p:blipFill>
+          <a:blip r:embed="rId4">
+            <a:extLst>
+              <a:ext uri="{28A0092B-C50C-407E-A947-70E740481C1C}">
+                <a14:useLocalDpi xmlns:a14="http://schemas.microsoft.com/office/drawing/2010/main" val="0"/>
+              </a:ext>
+            </a:extLst>
+          </a:blip>
+          <a:srcRect/>
+          <a:stretch>
+            <a:fillRect/>
+          </a:stretch>
+        </p:blipFill>
+        <p:spPr bwMode="auto">
+          <a:xfrm>
+            <a:off x="611560" y="2067694"/>
+            <a:ext cx="4267200" cy="2524125"/>
+          </a:xfrm>
+          <a:prstGeom prst="rect">
+            <a:avLst/>
+          </a:prstGeom>
+          <a:noFill/>
+          <a:ln>
+            <a:noFill/>
+          </a:ln>
+          <a:effectLst/>
+          <a:extLst>
+            <a:ext uri="{909E8E84-426E-40DD-AFC4-6F175D3DCCD1}">
+              <a14:hiddenFill xmlns:a14="http://schemas.microsoft.com/office/drawing/2010/main">
+                <a:solidFill>
+                  <a:schemeClr val="accent1"/>
+                </a:solidFill>
+              </a14:hiddenFill>
+            </a:ext>
+            <a:ext uri="{91240B29-F687-4F45-9708-019B960494DF}">
+              <a14:hiddenLine xmlns:a14="http://schemas.microsoft.com/office/drawing/2010/main" w="9525">
+                <a:solidFill>
+                  <a:schemeClr val="tx1"/>
+                </a:solidFill>
+                <a:miter lim="800000"/>
+                <a:headEnd/>
+                <a:tailEnd/>
+              </a14:hiddenLine>
+            </a:ext>
+            <a:ext uri="{AF507438-7753-43E0-B8FC-AC1667EBCBE1}">
+              <a14:hiddenEffects xmlns:a14="http://schemas.microsoft.com/office/drawing/2010/main">
+                <a:effectLst>
+                  <a:outerShdw dist="35921" dir="2700000" algn="ctr" rotWithShape="0">
+                    <a:schemeClr val="bg2"/>
+                  </a:outerShdw>
+                </a:effectLst>
+              </a14:hiddenEffects>
+            </a:ext>
+          </a:extLst>
+        </p:spPr>
+      </p:pic>
+      <p:pic>
+        <p:nvPicPr>
+          <p:cNvPr id="1034" name="Picture 10"/>
+          <p:cNvPicPr>
+            <a:picLocks noChangeAspect="1" noChangeArrowheads="1"/>
+          </p:cNvPicPr>
+          <p:nvPr/>
+        </p:nvPicPr>
+        <p:blipFill>
+          <a:blip r:embed="rId5">
+            <a:extLst>
+              <a:ext uri="{28A0092B-C50C-407E-A947-70E740481C1C}">
+                <a14:useLocalDpi xmlns:a14="http://schemas.microsoft.com/office/drawing/2010/main" val="0"/>
+              </a:ext>
+            </a:extLst>
+          </a:blip>
+          <a:srcRect/>
+          <a:stretch>
+            <a:fillRect/>
+          </a:stretch>
+        </p:blipFill>
+        <p:spPr bwMode="auto">
+          <a:xfrm>
+            <a:off x="3851920" y="2067693"/>
+            <a:ext cx="4267200" cy="2524125"/>
+          </a:xfrm>
+          <a:prstGeom prst="rect">
+            <a:avLst/>
+          </a:prstGeom>
+          <a:noFill/>
+          <a:ln>
+            <a:noFill/>
+          </a:ln>
+          <a:effectLst/>
+          <a:extLst>
+            <a:ext uri="{909E8E84-426E-40DD-AFC4-6F175D3DCCD1}">
+              <a14:hiddenFill xmlns:a14="http://schemas.microsoft.com/office/drawing/2010/main">
+                <a:solidFill>
+                  <a:schemeClr val="accent1"/>
+                </a:solidFill>
+              </a14:hiddenFill>
+            </a:ext>
+            <a:ext uri="{91240B29-F687-4F45-9708-019B960494DF}">
+              <a14:hiddenLine xmlns:a14="http://schemas.microsoft.com/office/drawing/2010/main" w="9525">
+                <a:solidFill>
+                  <a:schemeClr val="tx1"/>
+                </a:solidFill>
+                <a:miter lim="800000"/>
+                <a:headEnd/>
+                <a:tailEnd/>
+              </a14:hiddenLine>
+            </a:ext>
+            <a:ext uri="{AF507438-7753-43E0-B8FC-AC1667EBCBE1}">
+              <a14:hiddenEffects xmlns:a14="http://schemas.microsoft.com/office/drawing/2010/main">
+                <a:effectLst>
+                  <a:outerShdw dist="35921" dir="2700000" algn="ctr" rotWithShape="0">
+                    <a:schemeClr val="bg2"/>
+                  </a:outerShdw>
+                </a:effectLst>
+              </a14:hiddenEffects>
+            </a:ext>
+          </a:extLst>
+        </p:spPr>
+      </p:pic>
+    </p:spTree>
+    <p:extLst>
+      <p:ext uri="{BB962C8B-B14F-4D97-AF65-F5344CB8AC3E}">
+        <p14:creationId xmlns:p14="http://schemas.microsoft.com/office/powerpoint/2010/main" val="851054504"/>
       </p:ext>
     </p:extLst>
   </p:cSld>
